--- a/proj_AI/1st week/4_이경원_유사아이디어.pptx
+++ b/proj_AI/1st week/4_이경원_유사아이디어.pptx
@@ -5,7 +5,7 @@
     <p:sldMasterId id="2147483648" r:id="rId1"/>
   </p:sldMasterIdLst>
   <p:sldIdLst>
-    <p:sldId id="260" r:id="rId2"/>
+    <p:sldId id="312" r:id="rId2"/>
   </p:sldIdLst>
   <p:sldSz cx="12192000" cy="6858000"/>
   <p:notesSz cx="6858000" cy="9144000"/>
@@ -3339,26 +3339,227 @@
       </p:grpSpPr>
       <p:sp>
         <p:nvSpPr>
-          <p:cNvPr id="34" name="사각형: 둥근 모서리 33">
-            <a:extLst>
-              <a:ext uri="{FF2B5EF4-FFF2-40B4-BE49-F238E27FC236}">
-                <a16:creationId xmlns:a16="http://schemas.microsoft.com/office/drawing/2014/main" id="{474D409C-5BE0-4E91-AA04-5A089FB83D22}"/>
-              </a:ext>
-            </a:extLst>
-          </p:cNvPr>
-          <p:cNvSpPr/>
+          <p:cNvPr id="41" name="제목 1">
+            <a:extLst>
+              <a:ext uri="{FF2B5EF4-FFF2-40B4-BE49-F238E27FC236}">
+                <a16:creationId xmlns:a16="http://schemas.microsoft.com/office/drawing/2014/main" id="{8294A363-964F-4261-AF0D-40891A2BABC8}"/>
+              </a:ext>
+            </a:extLst>
+          </p:cNvPr>
+          <p:cNvSpPr txBox="1">
+            <a:spLocks/>
+          </p:cNvSpPr>
           <p:nvPr/>
         </p:nvSpPr>
         <p:spPr>
           <a:xfrm>
-            <a:off x="4384419" y="1599561"/>
-            <a:ext cx="3428911" cy="742275"/>
+            <a:off x="8404499" y="5047690"/>
+            <a:ext cx="3402062" cy="1061829"/>
           </a:xfrm>
-          <a:prstGeom prst="roundRect">
+          <a:prstGeom prst="rect">
             <a:avLst/>
           </a:prstGeom>
           <a:solidFill>
-            <a:srgbClr val="435BC0"/>
+            <a:schemeClr val="accent4">
+              <a:lumMod val="60000"/>
+              <a:lumOff val="40000"/>
+              <a:alpha val="52000"/>
+            </a:schemeClr>
+          </a:solidFill>
+          <a:ln>
+            <a:noFill/>
+          </a:ln>
+        </p:spPr>
+        <p:txBody>
+          <a:bodyPr vert="horz" lIns="91440" tIns="45720" rIns="91440" bIns="45720" rtlCol="0" anchor="ctr">
+            <a:normAutofit/>
+          </a:bodyPr>
+          <a:lstStyle>
+            <a:lvl1pPr algn="l" defTabSz="914400" rtl="0" eaLnBrk="1" latinLnBrk="1" hangingPunct="1">
+              <a:lnSpc>
+                <a:spcPct val="90000"/>
+              </a:lnSpc>
+              <a:spcBef>
+                <a:spcPct val="0"/>
+              </a:spcBef>
+              <a:buNone/>
+              <a:defRPr sz="4400" kern="1200">
+                <a:solidFill>
+                  <a:schemeClr val="tx1"/>
+                </a:solidFill>
+                <a:latin typeface="+mj-lt"/>
+                <a:ea typeface="+mj-ea"/>
+                <a:cs typeface="+mj-cs"/>
+              </a:defRPr>
+            </a:lvl1pPr>
+          </a:lstStyle>
+          <a:p>
+            <a:pPr algn="ctr"/>
+            <a:endParaRPr lang="en-US" altLang="ko-KR" sz="1400" b="1" dirty="0">
+              <a:latin typeface="KoPubWorld돋움체 Medium" panose="00000600000000000000" pitchFamily="2" charset="-127"/>
+              <a:ea typeface="KoPubWorld돋움체 Medium" panose="00000600000000000000" pitchFamily="2" charset="-127"/>
+              <a:cs typeface="KoPubWorld돋움체 Medium" panose="00000600000000000000" pitchFamily="2" charset="-127"/>
+            </a:endParaRPr>
+          </a:p>
+        </p:txBody>
+      </p:sp>
+      <p:sp>
+        <p:nvSpPr>
+          <p:cNvPr id="40" name="제목 1">
+            <a:extLst>
+              <a:ext uri="{FF2B5EF4-FFF2-40B4-BE49-F238E27FC236}">
+                <a16:creationId xmlns:a16="http://schemas.microsoft.com/office/drawing/2014/main" id="{70602C9A-3AE8-44FC-855A-0F9CBD46FE6D}"/>
+              </a:ext>
+            </a:extLst>
+          </p:cNvPr>
+          <p:cNvSpPr txBox="1">
+            <a:spLocks/>
+          </p:cNvSpPr>
+          <p:nvPr/>
+        </p:nvSpPr>
+        <p:spPr>
+          <a:xfrm>
+            <a:off x="4398319" y="5047691"/>
+            <a:ext cx="3402062" cy="1061829"/>
+          </a:xfrm>
+          <a:prstGeom prst="rect">
+            <a:avLst/>
+          </a:prstGeom>
+          <a:solidFill>
+            <a:schemeClr val="accent4">
+              <a:lumMod val="60000"/>
+              <a:lumOff val="40000"/>
+              <a:alpha val="52000"/>
+            </a:schemeClr>
+          </a:solidFill>
+          <a:ln>
+            <a:noFill/>
+          </a:ln>
+        </p:spPr>
+        <p:txBody>
+          <a:bodyPr vert="horz" lIns="91440" tIns="45720" rIns="91440" bIns="45720" rtlCol="0" anchor="ctr">
+            <a:normAutofit/>
+          </a:bodyPr>
+          <a:lstStyle>
+            <a:lvl1pPr algn="l" defTabSz="914400" rtl="0" eaLnBrk="1" latinLnBrk="1" hangingPunct="1">
+              <a:lnSpc>
+                <a:spcPct val="90000"/>
+              </a:lnSpc>
+              <a:spcBef>
+                <a:spcPct val="0"/>
+              </a:spcBef>
+              <a:buNone/>
+              <a:defRPr sz="4400" kern="1200">
+                <a:solidFill>
+                  <a:schemeClr val="tx1"/>
+                </a:solidFill>
+                <a:latin typeface="+mj-lt"/>
+                <a:ea typeface="+mj-ea"/>
+                <a:cs typeface="+mj-cs"/>
+              </a:defRPr>
+            </a:lvl1pPr>
+          </a:lstStyle>
+          <a:p>
+            <a:pPr algn="ctr"/>
+            <a:endParaRPr lang="en-US" altLang="ko-KR" sz="1400" b="1" dirty="0">
+              <a:latin typeface="KoPubWorld돋움체 Medium" panose="00000600000000000000" pitchFamily="2" charset="-127"/>
+              <a:ea typeface="KoPubWorld돋움체 Medium" panose="00000600000000000000" pitchFamily="2" charset="-127"/>
+              <a:cs typeface="KoPubWorld돋움체 Medium" panose="00000600000000000000" pitchFamily="2" charset="-127"/>
+            </a:endParaRPr>
+          </a:p>
+        </p:txBody>
+      </p:sp>
+      <p:sp>
+        <p:nvSpPr>
+          <p:cNvPr id="39" name="제목 1">
+            <a:extLst>
+              <a:ext uri="{FF2B5EF4-FFF2-40B4-BE49-F238E27FC236}">
+                <a16:creationId xmlns:a16="http://schemas.microsoft.com/office/drawing/2014/main" id="{EAE53ABC-7D64-41CB-82E5-C00BAB7F8EA1}"/>
+              </a:ext>
+            </a:extLst>
+          </p:cNvPr>
+          <p:cNvSpPr txBox="1">
+            <a:spLocks/>
+          </p:cNvSpPr>
+          <p:nvPr/>
+        </p:nvSpPr>
+        <p:spPr>
+          <a:xfrm>
+            <a:off x="414603" y="5047691"/>
+            <a:ext cx="3402062" cy="1061829"/>
+          </a:xfrm>
+          <a:prstGeom prst="rect">
+            <a:avLst/>
+          </a:prstGeom>
+          <a:solidFill>
+            <a:schemeClr val="accent4">
+              <a:lumMod val="60000"/>
+              <a:lumOff val="40000"/>
+              <a:alpha val="52000"/>
+            </a:schemeClr>
+          </a:solidFill>
+          <a:ln>
+            <a:noFill/>
+          </a:ln>
+        </p:spPr>
+        <p:txBody>
+          <a:bodyPr vert="horz" lIns="91440" tIns="45720" rIns="91440" bIns="45720" rtlCol="0" anchor="ctr">
+            <a:normAutofit/>
+          </a:bodyPr>
+          <a:lstStyle>
+            <a:lvl1pPr algn="l" defTabSz="914400" rtl="0" eaLnBrk="1" latinLnBrk="1" hangingPunct="1">
+              <a:lnSpc>
+                <a:spcPct val="90000"/>
+              </a:lnSpc>
+              <a:spcBef>
+                <a:spcPct val="0"/>
+              </a:spcBef>
+              <a:buNone/>
+              <a:defRPr sz="4400" kern="1200">
+                <a:solidFill>
+                  <a:schemeClr val="tx1"/>
+                </a:solidFill>
+                <a:latin typeface="+mj-lt"/>
+                <a:ea typeface="+mj-ea"/>
+                <a:cs typeface="+mj-cs"/>
+              </a:defRPr>
+            </a:lvl1pPr>
+          </a:lstStyle>
+          <a:p>
+            <a:pPr algn="ctr"/>
+            <a:endParaRPr lang="en-US" altLang="ko-KR" sz="1400" b="1" dirty="0">
+              <a:latin typeface="KoPubWorld돋움체 Medium" panose="00000600000000000000" pitchFamily="2" charset="-127"/>
+              <a:ea typeface="KoPubWorld돋움체 Medium" panose="00000600000000000000" pitchFamily="2" charset="-127"/>
+              <a:cs typeface="KoPubWorld돋움체 Medium" panose="00000600000000000000" pitchFamily="2" charset="-127"/>
+            </a:endParaRPr>
+          </a:p>
+        </p:txBody>
+      </p:sp>
+      <p:sp>
+        <p:nvSpPr>
+          <p:cNvPr id="37" name="직사각형 36">
+            <a:extLst>
+              <a:ext uri="{FF2B5EF4-FFF2-40B4-BE49-F238E27FC236}">
+                <a16:creationId xmlns:a16="http://schemas.microsoft.com/office/drawing/2014/main" id="{7CCE8270-5565-4753-B5BB-86D8F5CF46F5}"/>
+              </a:ext>
+            </a:extLst>
+          </p:cNvPr>
+          <p:cNvSpPr/>
+          <p:nvPr/>
+        </p:nvSpPr>
+        <p:spPr>
+          <a:xfrm>
+            <a:off x="8407374" y="1570589"/>
+            <a:ext cx="3396312" cy="800218"/>
+          </a:xfrm>
+          <a:prstGeom prst="rect">
+            <a:avLst/>
+          </a:prstGeom>
+          <a:solidFill>
+            <a:schemeClr val="accent5">
+              <a:lumMod val="20000"/>
+              <a:lumOff val="80000"/>
+            </a:schemeClr>
           </a:solidFill>
           <a:ln>
             <a:noFill/>
@@ -3385,20 +3586,20 @@
           <a:lstStyle/>
           <a:p>
             <a:pPr algn="ctr"/>
-            <a:endParaRPr lang="ko-KR" altLang="en-US" sz="1050" dirty="0">
-              <a:solidFill>
-                <a:schemeClr val="bg1"/>
-              </a:solidFill>
+            <a:endParaRPr lang="ko-KR" altLang="en-US" sz="1600" dirty="0">
+              <a:latin typeface="KoPubWorld돋움체 Medium" panose="00000600000000000000" pitchFamily="2" charset="-127"/>
+              <a:ea typeface="KoPubWorld돋움체 Medium" panose="00000600000000000000" pitchFamily="2" charset="-127"/>
+              <a:cs typeface="KoPubWorld돋움체 Medium" panose="00000600000000000000" pitchFamily="2" charset="-127"/>
             </a:endParaRPr>
           </a:p>
         </p:txBody>
       </p:sp>
       <p:sp>
         <p:nvSpPr>
-          <p:cNvPr id="35" name="사각형: 둥근 모서리 34">
-            <a:extLst>
-              <a:ext uri="{FF2B5EF4-FFF2-40B4-BE49-F238E27FC236}">
-                <a16:creationId xmlns:a16="http://schemas.microsoft.com/office/drawing/2014/main" id="{320BD73A-52A4-43FF-98B2-03DCDBE04C69}"/>
+          <p:cNvPr id="33" name="직사각형 32">
+            <a:extLst>
+              <a:ext uri="{FF2B5EF4-FFF2-40B4-BE49-F238E27FC236}">
+                <a16:creationId xmlns:a16="http://schemas.microsoft.com/office/drawing/2014/main" id="{11280F95-A573-41A0-942E-41BDF9A760D0}"/>
               </a:ext>
             </a:extLst>
           </p:cNvPr>
@@ -3407,14 +3608,17 @@
         </p:nvSpPr>
         <p:spPr>
           <a:xfrm>
-            <a:off x="8352559" y="1612900"/>
-            <a:ext cx="3422456" cy="742275"/>
+            <a:off x="4379956" y="1570589"/>
+            <a:ext cx="3438789" cy="800218"/>
           </a:xfrm>
-          <a:prstGeom prst="roundRect">
+          <a:prstGeom prst="rect">
             <a:avLst/>
           </a:prstGeom>
           <a:solidFill>
-            <a:srgbClr val="435BC0"/>
+            <a:schemeClr val="accent5">
+              <a:lumMod val="20000"/>
+              <a:lumOff val="80000"/>
+            </a:schemeClr>
           </a:solidFill>
           <a:ln>
             <a:noFill/>
@@ -3441,16 +3645,23 @@
           <a:lstStyle/>
           <a:p>
             <a:pPr algn="ctr"/>
-            <a:endParaRPr lang="ko-KR" altLang="en-US" sz="1050" dirty="0"/>
-          </a:p>
-        </p:txBody>
-      </p:sp>
-      <p:sp>
-        <p:nvSpPr>
-          <p:cNvPr id="29" name="사각형: 둥근 모서리 28">
-            <a:extLst>
-              <a:ext uri="{FF2B5EF4-FFF2-40B4-BE49-F238E27FC236}">
-                <a16:creationId xmlns:a16="http://schemas.microsoft.com/office/drawing/2014/main" id="{D6F1F53D-F82A-464B-B2BC-096E299CC93F}"/>
+            <a:endParaRPr lang="ko-KR" altLang="en-US" sz="1600" dirty="0">
+              <a:solidFill>
+                <a:schemeClr val="tx1"/>
+              </a:solidFill>
+              <a:latin typeface="KoPubWorld돋움체 Medium" panose="00000600000000000000" pitchFamily="2" charset="-127"/>
+              <a:ea typeface="KoPubWorld돋움체 Medium" panose="00000600000000000000" pitchFamily="2" charset="-127"/>
+              <a:cs typeface="KoPubWorld돋움체 Medium" panose="00000600000000000000" pitchFamily="2" charset="-127"/>
+            </a:endParaRPr>
+          </a:p>
+        </p:txBody>
+      </p:sp>
+      <p:sp>
+        <p:nvSpPr>
+          <p:cNvPr id="30" name="직사각형 29">
+            <a:extLst>
+              <a:ext uri="{FF2B5EF4-FFF2-40B4-BE49-F238E27FC236}">
+                <a16:creationId xmlns:a16="http://schemas.microsoft.com/office/drawing/2014/main" id="{43BD37D3-FE00-4285-ADF5-BBC2323C4F0C}"/>
               </a:ext>
             </a:extLst>
           </p:cNvPr>
@@ -3459,14 +3670,17 @@
         </p:nvSpPr>
         <p:spPr>
           <a:xfrm>
-            <a:off x="408486" y="1599561"/>
-            <a:ext cx="3440156" cy="742275"/>
+            <a:off x="396240" y="1570589"/>
+            <a:ext cx="3438789" cy="800218"/>
           </a:xfrm>
-          <a:prstGeom prst="roundRect">
+          <a:prstGeom prst="rect">
             <a:avLst/>
           </a:prstGeom>
           <a:solidFill>
-            <a:srgbClr val="435BC0"/>
+            <a:schemeClr val="accent5">
+              <a:lumMod val="20000"/>
+              <a:lumOff val="80000"/>
+            </a:schemeClr>
           </a:solidFill>
           <a:ln>
             <a:noFill/>
@@ -3493,16 +3707,20 @@
           <a:lstStyle/>
           <a:p>
             <a:pPr algn="ctr"/>
-            <a:endParaRPr lang="ko-KR" altLang="en-US" sz="1050" dirty="0"/>
-          </a:p>
-        </p:txBody>
-      </p:sp>
-      <p:sp>
-        <p:nvSpPr>
-          <p:cNvPr id="30" name="직사각형 29">
-            <a:extLst>
-              <a:ext uri="{FF2B5EF4-FFF2-40B4-BE49-F238E27FC236}">
-                <a16:creationId xmlns:a16="http://schemas.microsoft.com/office/drawing/2014/main" id="{E0279280-840F-48E2-925D-0298F73E7FB7}"/>
+            <a:endParaRPr lang="ko-KR" altLang="en-US" sz="1600" dirty="0">
+              <a:latin typeface="KoPubWorld돋움체 Medium" panose="00000600000000000000" pitchFamily="2" charset="-127"/>
+              <a:ea typeface="KoPubWorld돋움체 Medium" panose="00000600000000000000" pitchFamily="2" charset="-127"/>
+              <a:cs typeface="KoPubWorld돋움체 Medium" panose="00000600000000000000" pitchFamily="2" charset="-127"/>
+            </a:endParaRPr>
+          </a:p>
+        </p:txBody>
+      </p:sp>
+      <p:sp>
+        <p:nvSpPr>
+          <p:cNvPr id="10" name="직사각형 9">
+            <a:extLst>
+              <a:ext uri="{FF2B5EF4-FFF2-40B4-BE49-F238E27FC236}">
+                <a16:creationId xmlns:a16="http://schemas.microsoft.com/office/drawing/2014/main" id="{9A6A77CA-24EE-4F87-97B3-C2D6E1D40B10}"/>
               </a:ext>
             </a:extLst>
           </p:cNvPr>
@@ -3511,8 +3729,8 @@
         </p:nvSpPr>
         <p:spPr>
           <a:xfrm>
-            <a:off x="381340" y="521149"/>
-            <a:ext cx="1880643" cy="461665"/>
+            <a:off x="1350040" y="1650361"/>
+            <a:ext cx="1531188" cy="400110"/>
           </a:xfrm>
           <a:prstGeom prst="rect">
             <a:avLst/>
@@ -3524,9 +3742,96 @@
           </a:bodyPr>
           <a:lstStyle/>
           <a:p>
+            <a:pPr algn="ctr" fontAlgn="t"/>
+            <a:r>
+              <a:rPr lang="ko-KR" altLang="en-US" sz="2000" dirty="0" err="1">
+                <a:latin typeface="KoPubWorld돋움체 Bold" panose="00000800000000000000" pitchFamily="2" charset="-127"/>
+                <a:ea typeface="KoPubWorld돋움체 Bold" panose="00000800000000000000" pitchFamily="2" charset="-127"/>
+                <a:cs typeface="KoPubWorld돋움체 Bold" panose="00000800000000000000" pitchFamily="2" charset="-127"/>
+              </a:rPr>
+              <a:t>조이피트니스</a:t>
+            </a:r>
+            <a:endParaRPr lang="ko-KR" altLang="en-US" sz="2000" dirty="0">
+              <a:latin typeface="KoPubWorld돋움체 Bold" panose="00000800000000000000" pitchFamily="2" charset="-127"/>
+              <a:ea typeface="KoPubWorld돋움체 Bold" panose="00000800000000000000" pitchFamily="2" charset="-127"/>
+              <a:cs typeface="KoPubWorld돋움체 Bold" panose="00000800000000000000" pitchFamily="2" charset="-127"/>
+            </a:endParaRPr>
+          </a:p>
+        </p:txBody>
+      </p:sp>
+      <p:sp>
+        <p:nvSpPr>
+          <p:cNvPr id="13" name="직사각형 12">
+            <a:extLst>
+              <a:ext uri="{FF2B5EF4-FFF2-40B4-BE49-F238E27FC236}">
+                <a16:creationId xmlns:a16="http://schemas.microsoft.com/office/drawing/2014/main" id="{3B50A086-5F58-4683-9C36-9356713ECEA4}"/>
+              </a:ext>
+            </a:extLst>
+          </p:cNvPr>
+          <p:cNvSpPr/>
+          <p:nvPr/>
+        </p:nvSpPr>
+        <p:spPr>
+          <a:xfrm>
+            <a:off x="768150" y="2000467"/>
+            <a:ext cx="2694969" cy="307777"/>
+          </a:xfrm>
+          <a:prstGeom prst="rect">
+            <a:avLst/>
+          </a:prstGeom>
+        </p:spPr>
+        <p:txBody>
+          <a:bodyPr wrap="none">
+            <a:spAutoFit/>
+          </a:bodyPr>
+          <a:lstStyle/>
+          <a:p>
             <a:pPr fontAlgn="t"/>
             <a:r>
-              <a:rPr lang="ko-KR" altLang="en-US" sz="2400">
+              <a:rPr lang="ko-KR" altLang="en-US" sz="1400" dirty="0">
+                <a:latin typeface="KoPubWorld돋움체 Medium" panose="00000600000000000000" pitchFamily="2" charset="-127"/>
+                <a:ea typeface="KoPubWorld돋움체 Medium" panose="00000600000000000000" pitchFamily="2" charset="-127"/>
+                <a:cs typeface="KoPubWorld돋움체 Medium" panose="00000600000000000000" pitchFamily="2" charset="-127"/>
+              </a:rPr>
+              <a:t>개인화된 피트니스 트레이닝 플랫폼</a:t>
+            </a:r>
+          </a:p>
+        </p:txBody>
+      </p:sp>
+      <p:sp>
+        <p:nvSpPr>
+          <p:cNvPr id="16" name="직사각형 15">
+            <a:extLst>
+              <a:ext uri="{FF2B5EF4-FFF2-40B4-BE49-F238E27FC236}">
+                <a16:creationId xmlns:a16="http://schemas.microsoft.com/office/drawing/2014/main" id="{7F158475-4FAA-4320-9CC8-FA1D384E9862}"/>
+              </a:ext>
+            </a:extLst>
+          </p:cNvPr>
+          <p:cNvSpPr/>
+          <p:nvPr/>
+        </p:nvSpPr>
+        <p:spPr>
+          <a:xfrm>
+            <a:off x="485001" y="4987435"/>
+            <a:ext cx="3261266" cy="1061829"/>
+          </a:xfrm>
+          <a:prstGeom prst="rect">
+            <a:avLst/>
+          </a:prstGeom>
+        </p:spPr>
+        <p:txBody>
+          <a:bodyPr wrap="square">
+            <a:spAutoFit/>
+          </a:bodyPr>
+          <a:lstStyle/>
+          <a:p>
+            <a:pPr algn="ctr" fontAlgn="t">
+              <a:lnSpc>
+                <a:spcPct val="150000"/>
+              </a:lnSpc>
+            </a:pPr>
+            <a:r>
+              <a:rPr lang="en-US" altLang="ko-KR" sz="1400" dirty="0">
                 <a:solidFill>
                   <a:srgbClr val="000000"/>
                 </a:solidFill>
@@ -3534,1083 +3839,925 @@
                 <a:ea typeface="KoPubWorld돋움체 Medium" panose="00000600000000000000" pitchFamily="2" charset="-127"/>
                 <a:cs typeface="KoPubWorld돋움체 Medium" panose="00000600000000000000" pitchFamily="2" charset="-127"/>
               </a:rPr>
-              <a:t>유사 아이디어</a:t>
-            </a:r>
-            <a:endParaRPr lang="ko-KR" altLang="en-US" sz="2400" dirty="0">
+              <a:t>Depth</a:t>
+            </a:r>
+            <a:r>
+              <a:rPr lang="ko-KR" altLang="en-US" sz="1400" dirty="0">
+                <a:solidFill>
+                  <a:srgbClr val="000000"/>
+                </a:solidFill>
+                <a:latin typeface="KoPubWorld돋움체 Medium" panose="00000600000000000000" pitchFamily="2" charset="-127"/>
+                <a:ea typeface="KoPubWorld돋움체 Medium" panose="00000600000000000000" pitchFamily="2" charset="-127"/>
+                <a:cs typeface="KoPubWorld돋움체 Medium" panose="00000600000000000000" pitchFamily="2" charset="-127"/>
+              </a:rPr>
+              <a:t> </a:t>
+            </a:r>
+            <a:r>
+              <a:rPr lang="en-US" altLang="ko-KR" sz="1400" dirty="0">
+                <a:solidFill>
+                  <a:srgbClr val="000000"/>
+                </a:solidFill>
+                <a:latin typeface="KoPubWorld돋움체 Medium" panose="00000600000000000000" pitchFamily="2" charset="-127"/>
+                <a:ea typeface="KoPubWorld돋움체 Medium" panose="00000600000000000000" pitchFamily="2" charset="-127"/>
+                <a:cs typeface="KoPubWorld돋움체 Medium" panose="00000600000000000000" pitchFamily="2" charset="-127"/>
+              </a:rPr>
+              <a:t>Camera</a:t>
+            </a:r>
+            <a:r>
+              <a:rPr lang="ko-KR" altLang="en-US" sz="1400" dirty="0">
+                <a:solidFill>
+                  <a:srgbClr val="000000"/>
+                </a:solidFill>
+                <a:latin typeface="KoPubWorld돋움체 Medium" panose="00000600000000000000" pitchFamily="2" charset="-127"/>
+                <a:ea typeface="KoPubWorld돋움체 Medium" panose="00000600000000000000" pitchFamily="2" charset="-127"/>
+                <a:cs typeface="KoPubWorld돋움체 Medium" panose="00000600000000000000" pitchFamily="2" charset="-127"/>
+              </a:rPr>
+              <a:t>를 이용한 </a:t>
+            </a:r>
+            <a:endParaRPr lang="en-US" altLang="ko-KR" sz="1400" dirty="0">
+              <a:solidFill>
+                <a:srgbClr val="000000"/>
+              </a:solidFill>
               <a:latin typeface="KoPubWorld돋움체 Medium" panose="00000600000000000000" pitchFamily="2" charset="-127"/>
               <a:ea typeface="KoPubWorld돋움체 Medium" panose="00000600000000000000" pitchFamily="2" charset="-127"/>
               <a:cs typeface="KoPubWorld돋움체 Medium" panose="00000600000000000000" pitchFamily="2" charset="-127"/>
             </a:endParaRPr>
           </a:p>
-        </p:txBody>
-      </p:sp>
-      <p:grpSp>
-        <p:nvGrpSpPr>
-          <p:cNvPr id="36" name="그룹 35">
-            <a:extLst>
-              <a:ext uri="{FF2B5EF4-FFF2-40B4-BE49-F238E27FC236}">
-                <a16:creationId xmlns:a16="http://schemas.microsoft.com/office/drawing/2014/main" id="{B015A100-CE05-44A4-8B03-F544FEA06B22}"/>
-              </a:ext>
-            </a:extLst>
-          </p:cNvPr>
-          <p:cNvGrpSpPr/>
-          <p:nvPr/>
-        </p:nvGrpSpPr>
-        <p:grpSpPr>
-          <a:xfrm>
-            <a:off x="406401" y="1608981"/>
-            <a:ext cx="3423230" cy="4497037"/>
-            <a:chOff x="457201" y="1608981"/>
-            <a:chExt cx="3423230" cy="4497037"/>
-          </a:xfrm>
-        </p:grpSpPr>
-        <p:sp>
-          <p:nvSpPr>
-            <p:cNvPr id="26" name="직사각형 25">
-              <a:extLst>
-                <a:ext uri="{FF2B5EF4-FFF2-40B4-BE49-F238E27FC236}">
-                  <a16:creationId xmlns:a16="http://schemas.microsoft.com/office/drawing/2014/main" id="{DFDBB52A-1BEA-4989-B00E-614A5C1FCE53}"/>
-                </a:ext>
-              </a:extLst>
-            </p:cNvPr>
-            <p:cNvSpPr/>
-            <p:nvPr/>
-          </p:nvSpPr>
-          <p:spPr>
-            <a:xfrm>
-              <a:off x="467785" y="5044189"/>
-              <a:ext cx="3412646" cy="1061829"/>
-            </a:xfrm>
-            <a:prstGeom prst="rect">
-              <a:avLst/>
-            </a:prstGeom>
-            <a:solidFill>
-              <a:schemeClr val="accent5">
-                <a:lumMod val="20000"/>
-                <a:lumOff val="80000"/>
-              </a:schemeClr>
-            </a:solidFill>
-            <a:ln>
-              <a:noFill/>
-            </a:ln>
-          </p:spPr>
-          <p:style>
-            <a:lnRef idx="2">
-              <a:schemeClr val="accent1">
-                <a:shade val="50000"/>
-              </a:schemeClr>
-            </a:lnRef>
-            <a:fillRef idx="1">
-              <a:schemeClr val="accent1"/>
-            </a:fillRef>
-            <a:effectRef idx="0">
-              <a:schemeClr val="accent1"/>
-            </a:effectRef>
-            <a:fontRef idx="minor">
-              <a:schemeClr val="lt1"/>
-            </a:fontRef>
-          </p:style>
-          <p:txBody>
-            <a:bodyPr rtlCol="0" anchor="ctr"/>
-            <a:lstStyle/>
-            <a:p>
-              <a:pPr algn="ctr"/>
-              <a:endParaRPr lang="ko-KR" altLang="en-US" sz="1600" dirty="0">
+          <a:p>
+            <a:pPr algn="ctr" fontAlgn="t">
+              <a:lnSpc>
+                <a:spcPct val="150000"/>
+              </a:lnSpc>
+            </a:pPr>
+            <a:r>
+              <a:rPr lang="ko-KR" altLang="en-US" sz="1400" dirty="0">
+                <a:solidFill>
+                  <a:srgbClr val="000000"/>
+                </a:solidFill>
                 <a:latin typeface="KoPubWorld돋움체 Medium" panose="00000600000000000000" pitchFamily="2" charset="-127"/>
                 <a:ea typeface="KoPubWorld돋움체 Medium" panose="00000600000000000000" pitchFamily="2" charset="-127"/>
                 <a:cs typeface="KoPubWorld돋움체 Medium" panose="00000600000000000000" pitchFamily="2" charset="-127"/>
-              </a:endParaRPr>
-            </a:p>
-          </p:txBody>
-        </p:sp>
-        <p:sp>
-          <p:nvSpPr>
-            <p:cNvPr id="10" name="직사각형 9">
-              <a:extLst>
-                <a:ext uri="{FF2B5EF4-FFF2-40B4-BE49-F238E27FC236}">
-                  <a16:creationId xmlns:a16="http://schemas.microsoft.com/office/drawing/2014/main" id="{9A6A77CA-24EE-4F87-97B3-C2D6E1D40B10}"/>
-                </a:ext>
-              </a:extLst>
-            </p:cNvPr>
-            <p:cNvSpPr/>
-            <p:nvPr/>
-          </p:nvSpPr>
-          <p:spPr>
-            <a:xfrm>
-              <a:off x="1434979" y="1608981"/>
-              <a:ext cx="1531188" cy="400110"/>
-            </a:xfrm>
-            <a:prstGeom prst="rect">
-              <a:avLst/>
-            </a:prstGeom>
-          </p:spPr>
-          <p:txBody>
-            <a:bodyPr wrap="none">
-              <a:spAutoFit/>
-            </a:bodyPr>
-            <a:lstStyle/>
-            <a:p>
-              <a:pPr algn="ctr" fontAlgn="t"/>
-              <a:r>
-                <a:rPr lang="ko-KR" altLang="en-US" sz="2000" dirty="0" err="1">
-                  <a:solidFill>
-                    <a:schemeClr val="bg1"/>
-                  </a:solidFill>
-                  <a:latin typeface="KoPubWorld돋움체 Bold" panose="00000800000000000000" pitchFamily="2" charset="-127"/>
-                  <a:ea typeface="KoPubWorld돋움체 Bold" panose="00000800000000000000" pitchFamily="2" charset="-127"/>
-                  <a:cs typeface="KoPubWorld돋움체 Bold" panose="00000800000000000000" pitchFamily="2" charset="-127"/>
-                </a:rPr>
-                <a:t>조이피트니스</a:t>
-              </a:r>
-              <a:endParaRPr lang="ko-KR" altLang="en-US" sz="2000" dirty="0">
+              </a:rPr>
+              <a:t>골격 구조 인식 및 이미지 대조 방식으로 </a:t>
+            </a:r>
+            <a:endParaRPr lang="en-US" altLang="ko-KR" sz="1400" dirty="0">
+              <a:solidFill>
+                <a:srgbClr val="000000"/>
+              </a:solidFill>
+              <a:latin typeface="KoPubWorld돋움체 Medium" panose="00000600000000000000" pitchFamily="2" charset="-127"/>
+              <a:ea typeface="KoPubWorld돋움체 Medium" panose="00000600000000000000" pitchFamily="2" charset="-127"/>
+              <a:cs typeface="KoPubWorld돋움체 Medium" panose="00000600000000000000" pitchFamily="2" charset="-127"/>
+            </a:endParaRPr>
+          </a:p>
+          <a:p>
+            <a:pPr algn="ctr" fontAlgn="t">
+              <a:lnSpc>
+                <a:spcPct val="150000"/>
+              </a:lnSpc>
+            </a:pPr>
+            <a:r>
+              <a:rPr lang="ko-KR" altLang="en-US" sz="1400" dirty="0">
+                <a:solidFill>
+                  <a:srgbClr val="000000"/>
+                </a:solidFill>
+                <a:latin typeface="KoPubWorld돋움체 Medium" panose="00000600000000000000" pitchFamily="2" charset="-127"/>
+                <a:ea typeface="KoPubWorld돋움체 Medium" panose="00000600000000000000" pitchFamily="2" charset="-127"/>
+                <a:cs typeface="KoPubWorld돋움체 Medium" panose="00000600000000000000" pitchFamily="2" charset="-127"/>
+              </a:rPr>
+              <a:t>동작 일치 여부 판단</a:t>
+            </a:r>
+            <a:endParaRPr lang="ko-KR" altLang="en-US" sz="1400" dirty="0">
+              <a:latin typeface="KoPubWorld돋움체 Medium" panose="00000600000000000000" pitchFamily="2" charset="-127"/>
+              <a:ea typeface="KoPubWorld돋움체 Medium" panose="00000600000000000000" pitchFamily="2" charset="-127"/>
+              <a:cs typeface="KoPubWorld돋움체 Medium" panose="00000600000000000000" pitchFamily="2" charset="-127"/>
+            </a:endParaRPr>
+          </a:p>
+        </p:txBody>
+      </p:sp>
+      <p:pic>
+        <p:nvPicPr>
+          <p:cNvPr id="2052" name="Picture 4">
+            <a:extLst>
+              <a:ext uri="{FF2B5EF4-FFF2-40B4-BE49-F238E27FC236}">
+                <a16:creationId xmlns:a16="http://schemas.microsoft.com/office/drawing/2014/main" id="{16929F18-EB06-48C0-889B-1C5F804F8057}"/>
+              </a:ext>
+            </a:extLst>
+          </p:cNvPr>
+          <p:cNvPicPr>
+            <a:picLocks noChangeAspect="1" noChangeArrowheads="1"/>
+          </p:cNvPicPr>
+          <p:nvPr/>
+        </p:nvPicPr>
+        <p:blipFill rotWithShape="1">
+          <a:blip r:embed="rId2">
+            <a:extLst>
+              <a:ext uri="{28A0092B-C50C-407E-A947-70E740481C1C}">
+                <a14:useLocalDpi xmlns:a14="http://schemas.microsoft.com/office/drawing/2010/main" val="0"/>
+              </a:ext>
+            </a:extLst>
+          </a:blip>
+          <a:srcRect l="7231" t="13107" r="24618" b="20976"/>
+          <a:stretch/>
+        </p:blipFill>
+        <p:spPr bwMode="auto">
+          <a:xfrm>
+            <a:off x="409311" y="2594448"/>
+            <a:ext cx="3412646" cy="2097655"/>
+          </a:xfrm>
+          <a:prstGeom prst="rect">
+            <a:avLst/>
+          </a:prstGeom>
+          <a:noFill/>
+          <a:extLst>
+            <a:ext uri="{909E8E84-426E-40DD-AFC4-6F175D3DCCD1}">
+              <a14:hiddenFill xmlns:a14="http://schemas.microsoft.com/office/drawing/2010/main">
+                <a:solidFill>
+                  <a:srgbClr val="FFFFFF"/>
+                </a:solidFill>
+              </a14:hiddenFill>
+            </a:ext>
+          </a:extLst>
+        </p:spPr>
+      </p:pic>
+      <p:pic>
+        <p:nvPicPr>
+          <p:cNvPr id="4" name="그림 3">
+            <a:extLst>
+              <a:ext uri="{FF2B5EF4-FFF2-40B4-BE49-F238E27FC236}">
+                <a16:creationId xmlns:a16="http://schemas.microsoft.com/office/drawing/2014/main" id="{45DFF575-A590-481D-8D51-ED29AFCDC7BC}"/>
+              </a:ext>
+            </a:extLst>
+          </p:cNvPr>
+          <p:cNvPicPr>
+            <a:picLocks noChangeAspect="1"/>
+          </p:cNvPicPr>
+          <p:nvPr/>
+        </p:nvPicPr>
+        <p:blipFill rotWithShape="1">
+          <a:blip r:embed="rId3"/>
+          <a:srcRect l="17682" t="26166" r="18234" b="16543"/>
+          <a:stretch/>
+        </p:blipFill>
+        <p:spPr>
+          <a:xfrm>
+            <a:off x="4618067" y="2448145"/>
+            <a:ext cx="2962567" cy="2441060"/>
+          </a:xfrm>
+          <a:prstGeom prst="rect">
+            <a:avLst/>
+          </a:prstGeom>
+        </p:spPr>
+      </p:pic>
+      <p:sp>
+        <p:nvSpPr>
+          <p:cNvPr id="11" name="직사각형 10">
+            <a:extLst>
+              <a:ext uri="{FF2B5EF4-FFF2-40B4-BE49-F238E27FC236}">
+                <a16:creationId xmlns:a16="http://schemas.microsoft.com/office/drawing/2014/main" id="{FF4B8B9B-4C70-4BAA-AA4D-3D29C3C09D0E}"/>
+              </a:ext>
+            </a:extLst>
+          </p:cNvPr>
+          <p:cNvSpPr/>
+          <p:nvPr/>
+        </p:nvSpPr>
+        <p:spPr>
+          <a:xfrm>
+            <a:off x="4700730" y="1650361"/>
+            <a:ext cx="2797240" cy="400110"/>
+          </a:xfrm>
+          <a:prstGeom prst="rect">
+            <a:avLst/>
+          </a:prstGeom>
+        </p:spPr>
+        <p:txBody>
+          <a:bodyPr wrap="none">
+            <a:spAutoFit/>
+          </a:bodyPr>
+          <a:lstStyle/>
+          <a:p>
+            <a:pPr algn="ctr" fontAlgn="t"/>
+            <a:r>
+              <a:rPr lang="ko-KR" altLang="en-US" sz="2000" dirty="0" err="1">
+                <a:latin typeface="KoPubWorld돋움체 Bold" panose="00000800000000000000" pitchFamily="2" charset="-127"/>
+                <a:ea typeface="KoPubWorld돋움체 Bold" panose="00000800000000000000" pitchFamily="2" charset="-127"/>
+                <a:cs typeface="KoPubWorld돋움체 Bold" panose="00000800000000000000" pitchFamily="2" charset="-127"/>
+              </a:rPr>
+              <a:t>스마트홈트</a:t>
+            </a:r>
+            <a:r>
+              <a:rPr lang="ko-KR" altLang="en-US" sz="2000" dirty="0">
+                <a:latin typeface="KoPubWorld돋움체 Bold" panose="00000800000000000000" pitchFamily="2" charset="-127"/>
+                <a:ea typeface="KoPubWorld돋움체 Bold" panose="00000800000000000000" pitchFamily="2" charset="-127"/>
+                <a:cs typeface="KoPubWorld돋움체 Bold" panose="00000800000000000000" pitchFamily="2" charset="-127"/>
+              </a:rPr>
+              <a:t> </a:t>
+            </a:r>
+            <a:r>
+              <a:rPr lang="en-US" altLang="ko-KR" sz="2000" dirty="0">
+                <a:latin typeface="KoPubWorld돋움체 Bold" panose="00000800000000000000" pitchFamily="2" charset="-127"/>
+                <a:ea typeface="KoPubWorld돋움체 Bold" panose="00000800000000000000" pitchFamily="2" charset="-127"/>
+                <a:cs typeface="KoPubWorld돋움체 Bold" panose="00000800000000000000" pitchFamily="2" charset="-127"/>
+              </a:rPr>
+              <a:t>by </a:t>
+            </a:r>
+            <a:r>
+              <a:rPr lang="en-US" altLang="ko-KR" sz="2000" dirty="0" err="1">
+                <a:latin typeface="KoPubWorld돋움체 Bold" panose="00000800000000000000" pitchFamily="2" charset="-127"/>
+                <a:ea typeface="KoPubWorld돋움체 Bold" panose="00000800000000000000" pitchFamily="2" charset="-127"/>
+                <a:cs typeface="KoPubWorld돋움체 Bold" panose="00000800000000000000" pitchFamily="2" charset="-127"/>
+              </a:rPr>
+              <a:t>Kakao</a:t>
+            </a:r>
+            <a:r>
+              <a:rPr lang="en-US" altLang="ko-KR" sz="2000" dirty="0">
+                <a:latin typeface="KoPubWorld돋움체 Bold" panose="00000800000000000000" pitchFamily="2" charset="-127"/>
+                <a:ea typeface="KoPubWorld돋움체 Bold" panose="00000800000000000000" pitchFamily="2" charset="-127"/>
+                <a:cs typeface="KoPubWorld돋움체 Bold" panose="00000800000000000000" pitchFamily="2" charset="-127"/>
+              </a:rPr>
+              <a:t> VX</a:t>
+            </a:r>
+            <a:endParaRPr lang="ko-KR" altLang="en-US" sz="2000" dirty="0">
+              <a:latin typeface="KoPubWorld돋움체 Bold" panose="00000800000000000000" pitchFamily="2" charset="-127"/>
+              <a:ea typeface="KoPubWorld돋움체 Bold" panose="00000800000000000000" pitchFamily="2" charset="-127"/>
+              <a:cs typeface="KoPubWorld돋움체 Bold" panose="00000800000000000000" pitchFamily="2" charset="-127"/>
+            </a:endParaRPr>
+          </a:p>
+        </p:txBody>
+      </p:sp>
+      <p:sp>
+        <p:nvSpPr>
+          <p:cNvPr id="14" name="직사각형 13">
+            <a:extLst>
+              <a:ext uri="{FF2B5EF4-FFF2-40B4-BE49-F238E27FC236}">
+                <a16:creationId xmlns:a16="http://schemas.microsoft.com/office/drawing/2014/main" id="{26997BB4-11AF-4BCC-AA08-CC3F994BBEB4}"/>
+              </a:ext>
+            </a:extLst>
+          </p:cNvPr>
+          <p:cNvSpPr/>
+          <p:nvPr/>
+        </p:nvSpPr>
+        <p:spPr>
+          <a:xfrm>
+            <a:off x="5033995" y="2000467"/>
+            <a:ext cx="2130711" cy="307777"/>
+          </a:xfrm>
+          <a:prstGeom prst="rect">
+            <a:avLst/>
+          </a:prstGeom>
+        </p:spPr>
+        <p:txBody>
+          <a:bodyPr wrap="none">
+            <a:spAutoFit/>
+          </a:bodyPr>
+          <a:lstStyle/>
+          <a:p>
+            <a:r>
+              <a:rPr lang="en-US" altLang="ko-KR" sz="1400" dirty="0">
+                <a:latin typeface="KoPubWorld돋움체 Medium" panose="00000600000000000000" pitchFamily="2" charset="-127"/>
+                <a:ea typeface="KoPubWorld돋움체 Medium" panose="00000600000000000000" pitchFamily="2" charset="-127"/>
+                <a:cs typeface="KoPubWorld돋움체 Medium" panose="00000600000000000000" pitchFamily="2" charset="-127"/>
+              </a:rPr>
+              <a:t>AI</a:t>
+            </a:r>
+            <a:r>
+              <a:rPr lang="ko-KR" altLang="en-US" sz="1400" dirty="0">
+                <a:latin typeface="KoPubWorld돋움체 Medium" panose="00000600000000000000" pitchFamily="2" charset="-127"/>
+                <a:ea typeface="KoPubWorld돋움체 Medium" panose="00000600000000000000" pitchFamily="2" charset="-127"/>
+                <a:cs typeface="KoPubWorld돋움체 Medium" panose="00000600000000000000" pitchFamily="2" charset="-127"/>
+              </a:rPr>
+              <a:t> 코칭 </a:t>
+            </a:r>
+            <a:r>
+              <a:rPr lang="ko-KR" altLang="en-US" sz="1400" dirty="0" err="1">
+                <a:latin typeface="KoPubWorld돋움체 Medium" panose="00000600000000000000" pitchFamily="2" charset="-127"/>
+                <a:ea typeface="KoPubWorld돋움체 Medium" panose="00000600000000000000" pitchFamily="2" charset="-127"/>
+                <a:cs typeface="KoPubWorld돋움체 Medium" panose="00000600000000000000" pitchFamily="2" charset="-127"/>
+              </a:rPr>
+              <a:t>홈트레이닝</a:t>
+            </a:r>
+            <a:r>
+              <a:rPr lang="ko-KR" altLang="en-US" sz="1400" dirty="0">
+                <a:latin typeface="KoPubWorld돋움체 Medium" panose="00000600000000000000" pitchFamily="2" charset="-127"/>
+                <a:ea typeface="KoPubWorld돋움체 Medium" panose="00000600000000000000" pitchFamily="2" charset="-127"/>
+                <a:cs typeface="KoPubWorld돋움체 Medium" panose="00000600000000000000" pitchFamily="2" charset="-127"/>
+              </a:rPr>
+              <a:t> 전문 앱</a:t>
+            </a:r>
+            <a:endParaRPr lang="ko-KR" altLang="en-US" sz="1400" dirty="0"/>
+          </a:p>
+        </p:txBody>
+      </p:sp>
+      <p:sp>
+        <p:nvSpPr>
+          <p:cNvPr id="17" name="직사각형 16">
+            <a:extLst>
+              <a:ext uri="{FF2B5EF4-FFF2-40B4-BE49-F238E27FC236}">
+                <a16:creationId xmlns:a16="http://schemas.microsoft.com/office/drawing/2014/main" id="{8E2CD1F5-E7BE-47DA-B5F0-10841435C58B}"/>
+              </a:ext>
+            </a:extLst>
+          </p:cNvPr>
+          <p:cNvSpPr/>
+          <p:nvPr/>
+        </p:nvSpPr>
+        <p:spPr>
+          <a:xfrm>
+            <a:off x="4533783" y="4987436"/>
+            <a:ext cx="3131134" cy="1061829"/>
+          </a:xfrm>
+          <a:prstGeom prst="rect">
+            <a:avLst/>
+          </a:prstGeom>
+        </p:spPr>
+        <p:txBody>
+          <a:bodyPr wrap="square">
+            <a:spAutoFit/>
+          </a:bodyPr>
+          <a:lstStyle/>
+          <a:p>
+            <a:pPr algn="ctr" fontAlgn="t">
+              <a:lnSpc>
+                <a:spcPct val="150000"/>
+              </a:lnSpc>
+            </a:pPr>
+            <a:r>
+              <a:rPr lang="ko-KR" altLang="en-US" sz="1400" dirty="0">
+                <a:solidFill>
+                  <a:srgbClr val="000000"/>
+                </a:solidFill>
+                <a:latin typeface="KoPubWorld돋움체 Medium" panose="00000600000000000000" pitchFamily="2" charset="-127"/>
+                <a:ea typeface="KoPubWorld돋움체 Medium" panose="00000600000000000000" pitchFamily="2" charset="-127"/>
+                <a:cs typeface="KoPubWorld돋움체 Medium" panose="00000600000000000000" pitchFamily="2" charset="-127"/>
+              </a:rPr>
+              <a:t>딥러닝 기반 </a:t>
+            </a:r>
+            <a:r>
+              <a:rPr lang="en-US" altLang="ko-KR" sz="1400" dirty="0">
+                <a:solidFill>
+                  <a:srgbClr val="000000"/>
+                </a:solidFill>
+                <a:latin typeface="KoPubWorld돋움체 Medium" panose="00000600000000000000" pitchFamily="2" charset="-127"/>
+                <a:ea typeface="KoPubWorld돋움체 Medium" panose="00000600000000000000" pitchFamily="2" charset="-127"/>
+                <a:cs typeface="KoPubWorld돋움체 Medium" panose="00000600000000000000" pitchFamily="2" charset="-127"/>
+              </a:rPr>
+              <a:t>AI</a:t>
+            </a:r>
+            <a:r>
+              <a:rPr lang="ko-KR" altLang="en-US" sz="1400" dirty="0">
+                <a:solidFill>
+                  <a:srgbClr val="000000"/>
+                </a:solidFill>
+                <a:latin typeface="KoPubWorld돋움체 Medium" panose="00000600000000000000" pitchFamily="2" charset="-127"/>
+                <a:ea typeface="KoPubWorld돋움체 Medium" panose="00000600000000000000" pitchFamily="2" charset="-127"/>
+                <a:cs typeface="KoPubWorld돋움체 Medium" panose="00000600000000000000" pitchFamily="2" charset="-127"/>
+              </a:rPr>
+              <a:t> 기술을 활용하여</a:t>
+            </a:r>
+            <a:endParaRPr lang="en-US" altLang="ko-KR" sz="1400" dirty="0">
+              <a:solidFill>
+                <a:srgbClr val="000000"/>
+              </a:solidFill>
+              <a:latin typeface="KoPubWorld돋움체 Medium" panose="00000600000000000000" pitchFamily="2" charset="-127"/>
+              <a:ea typeface="KoPubWorld돋움체 Medium" panose="00000600000000000000" pitchFamily="2" charset="-127"/>
+              <a:cs typeface="KoPubWorld돋움체 Medium" panose="00000600000000000000" pitchFamily="2" charset="-127"/>
+            </a:endParaRPr>
+          </a:p>
+          <a:p>
+            <a:pPr algn="ctr" fontAlgn="t">
+              <a:lnSpc>
+                <a:spcPct val="150000"/>
+              </a:lnSpc>
+            </a:pPr>
+            <a:r>
+              <a:rPr lang="ko-KR" altLang="en-US" sz="1400" dirty="0">
+                <a:solidFill>
+                  <a:srgbClr val="000000"/>
+                </a:solidFill>
+                <a:latin typeface="KoPubWorld돋움체 Medium" panose="00000600000000000000" pitchFamily="2" charset="-127"/>
+                <a:ea typeface="KoPubWorld돋움체 Medium" panose="00000600000000000000" pitchFamily="2" charset="-127"/>
+                <a:cs typeface="KoPubWorld돋움체 Medium" panose="00000600000000000000" pitchFamily="2" charset="-127"/>
+              </a:rPr>
+              <a:t>이용자의 실시간 관절 움직임을 추출하고 분석 후 올바른 운동 자세 추천</a:t>
+            </a:r>
+            <a:endParaRPr lang="ko-KR" altLang="en-US" sz="1400" dirty="0">
+              <a:latin typeface="KoPubWorld돋움체 Medium" panose="00000600000000000000" pitchFamily="2" charset="-127"/>
+              <a:ea typeface="KoPubWorld돋움체 Medium" panose="00000600000000000000" pitchFamily="2" charset="-127"/>
+              <a:cs typeface="KoPubWorld돋움체 Medium" panose="00000600000000000000" pitchFamily="2" charset="-127"/>
+            </a:endParaRPr>
+          </a:p>
+        </p:txBody>
+      </p:sp>
+      <p:sp>
+        <p:nvSpPr>
+          <p:cNvPr id="12" name="직사각형 11">
+            <a:extLst>
+              <a:ext uri="{FF2B5EF4-FFF2-40B4-BE49-F238E27FC236}">
+                <a16:creationId xmlns:a16="http://schemas.microsoft.com/office/drawing/2014/main" id="{3829DDA6-C422-45DA-8C16-6FF642A3A617}"/>
+              </a:ext>
+            </a:extLst>
+          </p:cNvPr>
+          <p:cNvSpPr/>
+          <p:nvPr/>
+        </p:nvSpPr>
+        <p:spPr>
+          <a:xfrm>
+            <a:off x="9719848" y="1650361"/>
+            <a:ext cx="771365" cy="400110"/>
+          </a:xfrm>
+          <a:prstGeom prst="rect">
+            <a:avLst/>
+          </a:prstGeom>
+        </p:spPr>
+        <p:txBody>
+          <a:bodyPr wrap="none">
+            <a:spAutoFit/>
+          </a:bodyPr>
+          <a:lstStyle/>
+          <a:p>
+            <a:pPr algn="ctr" fontAlgn="t"/>
+            <a:r>
+              <a:rPr lang="en-US" altLang="ko-KR" sz="2000" dirty="0">
+                <a:latin typeface="KoPubWorld돋움체 Bold" panose="00000800000000000000" pitchFamily="2" charset="-127"/>
+                <a:ea typeface="KoPubWorld돋움체 Bold" panose="00000800000000000000" pitchFamily="2" charset="-127"/>
+                <a:cs typeface="KoPubWorld돋움체 Bold" panose="00000800000000000000" pitchFamily="2" charset="-127"/>
+              </a:rPr>
+              <a:t>12PT</a:t>
+            </a:r>
+            <a:endParaRPr lang="ko-KR" altLang="en-US" sz="2000" dirty="0">
+              <a:latin typeface="KoPubWorld돋움체 Bold" panose="00000800000000000000" pitchFamily="2" charset="-127"/>
+              <a:ea typeface="KoPubWorld돋움체 Bold" panose="00000800000000000000" pitchFamily="2" charset="-127"/>
+              <a:cs typeface="KoPubWorld돋움체 Bold" panose="00000800000000000000" pitchFamily="2" charset="-127"/>
+            </a:endParaRPr>
+          </a:p>
+        </p:txBody>
+      </p:sp>
+      <p:sp>
+        <p:nvSpPr>
+          <p:cNvPr id="15" name="직사각형 14">
+            <a:extLst>
+              <a:ext uri="{FF2B5EF4-FFF2-40B4-BE49-F238E27FC236}">
+                <a16:creationId xmlns:a16="http://schemas.microsoft.com/office/drawing/2014/main" id="{48143F88-E4C5-4250-9F7D-E7CA8342E485}"/>
+              </a:ext>
+            </a:extLst>
+          </p:cNvPr>
+          <p:cNvSpPr/>
+          <p:nvPr/>
+        </p:nvSpPr>
+        <p:spPr>
+          <a:xfrm>
+            <a:off x="8725986" y="2000467"/>
+            <a:ext cx="2759089" cy="307777"/>
+          </a:xfrm>
+          <a:prstGeom prst="rect">
+            <a:avLst/>
+          </a:prstGeom>
+        </p:spPr>
+        <p:txBody>
+          <a:bodyPr wrap="none">
+            <a:spAutoFit/>
+          </a:bodyPr>
+          <a:lstStyle/>
+          <a:p>
+            <a:pPr fontAlgn="t"/>
+            <a:r>
+              <a:rPr lang="ko-KR" altLang="en-US" sz="1400" dirty="0">
+                <a:latin typeface="KoPubWorld돋움체 Medium" panose="00000600000000000000" pitchFamily="2" charset="-127"/>
+                <a:ea typeface="KoPubWorld돋움체 Medium" panose="00000600000000000000" pitchFamily="2" charset="-127"/>
+                <a:cs typeface="KoPubWorld돋움체 Medium" panose="00000600000000000000" pitchFamily="2" charset="-127"/>
+              </a:rPr>
+              <a:t>자세교정이 가능한 </a:t>
+            </a:r>
+            <a:r>
+              <a:rPr lang="en-US" altLang="ko-KR" sz="1400" dirty="0">
+                <a:latin typeface="KoPubWorld돋움체 Medium" panose="00000600000000000000" pitchFamily="2" charset="-127"/>
+                <a:ea typeface="KoPubWorld돋움체 Medium" panose="00000600000000000000" pitchFamily="2" charset="-127"/>
+                <a:cs typeface="KoPubWorld돋움체 Medium" panose="00000600000000000000" pitchFamily="2" charset="-127"/>
+              </a:rPr>
+              <a:t>AI</a:t>
+            </a:r>
+            <a:r>
+              <a:rPr lang="ko-KR" altLang="en-US" sz="1400" dirty="0">
+                <a:latin typeface="KoPubWorld돋움체 Medium" panose="00000600000000000000" pitchFamily="2" charset="-127"/>
+                <a:ea typeface="KoPubWorld돋움체 Medium" panose="00000600000000000000" pitchFamily="2" charset="-127"/>
+                <a:cs typeface="KoPubWorld돋움체 Medium" panose="00000600000000000000" pitchFamily="2" charset="-127"/>
+              </a:rPr>
+              <a:t> </a:t>
+            </a:r>
+            <a:r>
+              <a:rPr lang="ko-KR" altLang="en-US" sz="1400" dirty="0" err="1">
+                <a:latin typeface="KoPubWorld돋움체 Medium" panose="00000600000000000000" pitchFamily="2" charset="-127"/>
+                <a:ea typeface="KoPubWorld돋움체 Medium" panose="00000600000000000000" pitchFamily="2" charset="-127"/>
+                <a:cs typeface="KoPubWorld돋움체 Medium" panose="00000600000000000000" pitchFamily="2" charset="-127"/>
+              </a:rPr>
+              <a:t>홈트레이닝</a:t>
+            </a:r>
+            <a:r>
+              <a:rPr lang="ko-KR" altLang="en-US" sz="1400" dirty="0">
+                <a:latin typeface="KoPubWorld돋움체 Medium" panose="00000600000000000000" pitchFamily="2" charset="-127"/>
+                <a:ea typeface="KoPubWorld돋움체 Medium" panose="00000600000000000000" pitchFamily="2" charset="-127"/>
+                <a:cs typeface="KoPubWorld돋움체 Medium" panose="00000600000000000000" pitchFamily="2" charset="-127"/>
+              </a:rPr>
+              <a:t> 앱</a:t>
+            </a:r>
+          </a:p>
+        </p:txBody>
+      </p:sp>
+      <p:sp>
+        <p:nvSpPr>
+          <p:cNvPr id="18" name="직사각형 17">
+            <a:extLst>
+              <a:ext uri="{FF2B5EF4-FFF2-40B4-BE49-F238E27FC236}">
+                <a16:creationId xmlns:a16="http://schemas.microsoft.com/office/drawing/2014/main" id="{B223EBD3-EF5F-4B3B-95E7-95168EB9DD96}"/>
+              </a:ext>
+            </a:extLst>
+          </p:cNvPr>
+          <p:cNvSpPr/>
+          <p:nvPr/>
+        </p:nvSpPr>
+        <p:spPr>
+          <a:xfrm>
+            <a:off x="8394302" y="4987437"/>
+            <a:ext cx="3422456" cy="1061829"/>
+          </a:xfrm>
+          <a:prstGeom prst="rect">
+            <a:avLst/>
+          </a:prstGeom>
+        </p:spPr>
+        <p:txBody>
+          <a:bodyPr wrap="square">
+            <a:spAutoFit/>
+          </a:bodyPr>
+          <a:lstStyle/>
+          <a:p>
+            <a:pPr algn="ctr" fontAlgn="t">
+              <a:lnSpc>
+                <a:spcPct val="150000"/>
+              </a:lnSpc>
+            </a:pPr>
+            <a:r>
+              <a:rPr lang="ko-KR" altLang="en-US" sz="1400" dirty="0">
+                <a:latin typeface="KoPubWorld돋움체 Medium" panose="00000600000000000000" pitchFamily="2" charset="-127"/>
+                <a:ea typeface="KoPubWorld돋움체 Medium" panose="00000600000000000000" pitchFamily="2" charset="-127"/>
+                <a:cs typeface="KoPubWorld돋움체 Medium" panose="00000600000000000000" pitchFamily="2" charset="-127"/>
+              </a:rPr>
+              <a:t>딥러닝 기술을 활용하여 </a:t>
+            </a:r>
+            <a:endParaRPr lang="en-US" altLang="ko-KR" sz="1400" dirty="0">
+              <a:latin typeface="KoPubWorld돋움체 Medium" panose="00000600000000000000" pitchFamily="2" charset="-127"/>
+              <a:ea typeface="KoPubWorld돋움체 Medium" panose="00000600000000000000" pitchFamily="2" charset="-127"/>
+              <a:cs typeface="KoPubWorld돋움체 Medium" panose="00000600000000000000" pitchFamily="2" charset="-127"/>
+            </a:endParaRPr>
+          </a:p>
+          <a:p>
+            <a:pPr algn="ctr" fontAlgn="t">
+              <a:lnSpc>
+                <a:spcPct val="150000"/>
+              </a:lnSpc>
+            </a:pPr>
+            <a:r>
+              <a:rPr lang="ko-KR" altLang="en-US" sz="1400" dirty="0">
+                <a:latin typeface="KoPubWorld돋움체 Medium" panose="00000600000000000000" pitchFamily="2" charset="-127"/>
+                <a:ea typeface="KoPubWorld돋움체 Medium" panose="00000600000000000000" pitchFamily="2" charset="-127"/>
+                <a:cs typeface="KoPubWorld돋움체 Medium" panose="00000600000000000000" pitchFamily="2" charset="-127"/>
+              </a:rPr>
+              <a:t>실시간 관절 추정 및 실시간 카운트</a:t>
+            </a:r>
+            <a:endParaRPr lang="en-US" altLang="ko-KR" sz="1400" dirty="0">
+              <a:latin typeface="KoPubWorld돋움체 Medium" panose="00000600000000000000" pitchFamily="2" charset="-127"/>
+              <a:ea typeface="KoPubWorld돋움체 Medium" panose="00000600000000000000" pitchFamily="2" charset="-127"/>
+              <a:cs typeface="KoPubWorld돋움체 Medium" panose="00000600000000000000" pitchFamily="2" charset="-127"/>
+            </a:endParaRPr>
+          </a:p>
+          <a:p>
+            <a:pPr algn="ctr" fontAlgn="t">
+              <a:lnSpc>
+                <a:spcPct val="150000"/>
+              </a:lnSpc>
+            </a:pPr>
+            <a:r>
+              <a:rPr lang="ko-KR" altLang="en-US" sz="1400" dirty="0">
+                <a:latin typeface="KoPubWorld돋움체 Medium" panose="00000600000000000000" pitchFamily="2" charset="-127"/>
+                <a:ea typeface="KoPubWorld돋움체 Medium" panose="00000600000000000000" pitchFamily="2" charset="-127"/>
+                <a:cs typeface="KoPubWorld돋움체 Medium" panose="00000600000000000000" pitchFamily="2" charset="-127"/>
+              </a:rPr>
+              <a:t>축적된 데이터로 개인의 운동 패턴 분석</a:t>
+            </a:r>
+          </a:p>
+        </p:txBody>
+      </p:sp>
+      <p:pic>
+        <p:nvPicPr>
+          <p:cNvPr id="19" name="그림 18">
+            <a:extLst>
+              <a:ext uri="{FF2B5EF4-FFF2-40B4-BE49-F238E27FC236}">
+                <a16:creationId xmlns:a16="http://schemas.microsoft.com/office/drawing/2014/main" id="{7095896A-768F-466D-9ED9-F863082845CA}"/>
+              </a:ext>
+            </a:extLst>
+          </p:cNvPr>
+          <p:cNvPicPr>
+            <a:picLocks noChangeAspect="1"/>
+          </p:cNvPicPr>
+          <p:nvPr/>
+        </p:nvPicPr>
+        <p:blipFill>
+          <a:blip r:embed="rId4"/>
+          <a:stretch>
+            <a:fillRect/>
+          </a:stretch>
+        </p:blipFill>
+        <p:spPr>
+          <a:xfrm>
+            <a:off x="8407374" y="2473545"/>
+            <a:ext cx="3396312" cy="2441060"/>
+          </a:xfrm>
+          <a:prstGeom prst="rect">
+            <a:avLst/>
+          </a:prstGeom>
+        </p:spPr>
+      </p:pic>
+      <p:sp>
+        <p:nvSpPr>
+          <p:cNvPr id="24" name="직사각형 23">
+            <a:extLst>
+              <a:ext uri="{FF2B5EF4-FFF2-40B4-BE49-F238E27FC236}">
+                <a16:creationId xmlns:a16="http://schemas.microsoft.com/office/drawing/2014/main" id="{FF70AD26-8835-478C-8D88-02041588EF60}"/>
+              </a:ext>
+            </a:extLst>
+          </p:cNvPr>
+          <p:cNvSpPr/>
+          <p:nvPr/>
+        </p:nvSpPr>
+        <p:spPr>
+          <a:xfrm>
+            <a:off x="0" y="0"/>
+            <a:ext cx="12192000" cy="913200"/>
+          </a:xfrm>
+          <a:prstGeom prst="rect">
+            <a:avLst/>
+          </a:prstGeom>
+          <a:gradFill flip="none" rotWithShape="1">
+            <a:gsLst>
+              <a:gs pos="0">
+                <a:srgbClr val="014099">
+                  <a:shade val="30000"/>
+                  <a:satMod val="115000"/>
+                </a:srgbClr>
+              </a:gs>
+              <a:gs pos="50000">
+                <a:srgbClr val="014099">
+                  <a:shade val="67500"/>
+                  <a:satMod val="115000"/>
+                </a:srgbClr>
+              </a:gs>
+              <a:gs pos="100000">
+                <a:srgbClr val="014099">
+                  <a:shade val="100000"/>
+                  <a:satMod val="115000"/>
+                </a:srgbClr>
+              </a:gs>
+            </a:gsLst>
+            <a:path path="circle">
+              <a:fillToRect r="100000" b="100000"/>
+            </a:path>
+            <a:tileRect l="-100000" t="-100000"/>
+          </a:gradFill>
+          <a:ln>
+            <a:noFill/>
+          </a:ln>
+        </p:spPr>
+        <p:style>
+          <a:lnRef idx="2">
+            <a:schemeClr val="accent1">
+              <a:shade val="50000"/>
+            </a:schemeClr>
+          </a:lnRef>
+          <a:fillRef idx="1">
+            <a:schemeClr val="accent1"/>
+          </a:fillRef>
+          <a:effectRef idx="0">
+            <a:schemeClr val="accent1"/>
+          </a:effectRef>
+          <a:fontRef idx="minor">
+            <a:schemeClr val="lt1"/>
+          </a:fontRef>
+        </p:style>
+        <p:txBody>
+          <a:bodyPr rtlCol="0" anchor="ctr"/>
+          <a:lstStyle/>
+          <a:p>
+            <a:pPr algn="ctr"/>
+            <a:endParaRPr lang="ko-KR" altLang="en-US"/>
+          </a:p>
+        </p:txBody>
+      </p:sp>
+      <p:sp>
+        <p:nvSpPr>
+          <p:cNvPr id="25" name="TextBox 24">
+            <a:extLst>
+              <a:ext uri="{FF2B5EF4-FFF2-40B4-BE49-F238E27FC236}">
+                <a16:creationId xmlns:a16="http://schemas.microsoft.com/office/drawing/2014/main" id="{0DFF1540-E033-4CA8-938A-47C77AE6AF0A}"/>
+              </a:ext>
+            </a:extLst>
+          </p:cNvPr>
+          <p:cNvSpPr txBox="1"/>
+          <p:nvPr/>
+        </p:nvSpPr>
+        <p:spPr>
+          <a:xfrm>
+            <a:off x="135645" y="253186"/>
+            <a:ext cx="4857751" cy="553998"/>
+          </a:xfrm>
+          <a:prstGeom prst="rect">
+            <a:avLst/>
+          </a:prstGeom>
+          <a:noFill/>
+          <a:ln>
+            <a:noFill/>
+          </a:ln>
+        </p:spPr>
+        <p:txBody>
+          <a:bodyPr wrap="square" rtlCol="0">
+            <a:spAutoFit/>
+          </a:bodyPr>
+          <a:lstStyle/>
+          <a:p>
+            <a:pPr marL="571500" indent="-571500">
+              <a:buFont typeface="+mj-lt"/>
+              <a:buAutoNum type="romanUcPeriod" startAt="4"/>
+            </a:pPr>
+            <a:r>
+              <a:rPr lang="ko-KR" altLang="en-US" sz="3000" b="1" dirty="0">
                 <a:solidFill>
                   <a:schemeClr val="bg1"/>
                 </a:solidFill>
                 <a:latin typeface="KoPubWorld돋움체 Bold" panose="00000800000000000000" pitchFamily="2" charset="-127"/>
                 <a:ea typeface="KoPubWorld돋움체 Bold" panose="00000800000000000000" pitchFamily="2" charset="-127"/>
                 <a:cs typeface="KoPubWorld돋움체 Bold" panose="00000800000000000000" pitchFamily="2" charset="-127"/>
-              </a:endParaRPr>
-            </a:p>
-          </p:txBody>
-        </p:sp>
-        <p:sp>
-          <p:nvSpPr>
-            <p:cNvPr id="13" name="직사각형 12">
-              <a:extLst>
-                <a:ext uri="{FF2B5EF4-FFF2-40B4-BE49-F238E27FC236}">
-                  <a16:creationId xmlns:a16="http://schemas.microsoft.com/office/drawing/2014/main" id="{3B50A086-5F58-4683-9C36-9356713ECEA4}"/>
-                </a:ext>
-              </a:extLst>
-            </p:cNvPr>
-            <p:cNvSpPr/>
-            <p:nvPr/>
-          </p:nvSpPr>
-          <p:spPr>
-            <a:xfrm>
-              <a:off x="837277" y="2000467"/>
-              <a:ext cx="2694969" cy="307777"/>
-            </a:xfrm>
-            <a:prstGeom prst="rect">
-              <a:avLst/>
-            </a:prstGeom>
-          </p:spPr>
-          <p:txBody>
-            <a:bodyPr wrap="none">
-              <a:spAutoFit/>
-            </a:bodyPr>
-            <a:lstStyle/>
-            <a:p>
-              <a:pPr fontAlgn="t"/>
-              <a:r>
-                <a:rPr lang="ko-KR" altLang="en-US" sz="1400" dirty="0">
-                  <a:solidFill>
-                    <a:schemeClr val="bg1"/>
-                  </a:solidFill>
-                  <a:latin typeface="KoPubWorld돋움체 Medium" panose="00000600000000000000" pitchFamily="2" charset="-127"/>
-                  <a:ea typeface="KoPubWorld돋움체 Medium" panose="00000600000000000000" pitchFamily="2" charset="-127"/>
-                  <a:cs typeface="KoPubWorld돋움체 Medium" panose="00000600000000000000" pitchFamily="2" charset="-127"/>
-                </a:rPr>
-                <a:t>개인화된 피트니스 트레이닝 플랫폼</a:t>
-              </a:r>
-            </a:p>
-          </p:txBody>
-        </p:sp>
-        <p:sp>
-          <p:nvSpPr>
-            <p:cNvPr id="16" name="직사각형 15">
-              <a:extLst>
-                <a:ext uri="{FF2B5EF4-FFF2-40B4-BE49-F238E27FC236}">
-                  <a16:creationId xmlns:a16="http://schemas.microsoft.com/office/drawing/2014/main" id="{7F158475-4FAA-4320-9CC8-FA1D384E9862}"/>
-                </a:ext>
-              </a:extLst>
-            </p:cNvPr>
-            <p:cNvSpPr/>
-            <p:nvPr/>
-          </p:nvSpPr>
-          <p:spPr>
-            <a:xfrm>
-              <a:off x="554128" y="4987435"/>
-              <a:ext cx="3261266" cy="1061829"/>
-            </a:xfrm>
-            <a:prstGeom prst="rect">
-              <a:avLst/>
-            </a:prstGeom>
-          </p:spPr>
-          <p:txBody>
-            <a:bodyPr wrap="square">
-              <a:spAutoFit/>
-            </a:bodyPr>
-            <a:lstStyle/>
-            <a:p>
-              <a:pPr algn="ctr" fontAlgn="t">
-                <a:lnSpc>
-                  <a:spcPct val="150000"/>
-                </a:lnSpc>
-              </a:pPr>
-              <a:r>
-                <a:rPr lang="en-US" altLang="ko-KR" sz="1400" dirty="0">
-                  <a:solidFill>
-                    <a:srgbClr val="000000"/>
-                  </a:solidFill>
-                  <a:latin typeface="KoPubWorld돋움체 Medium" panose="00000600000000000000" pitchFamily="2" charset="-127"/>
-                  <a:ea typeface="KoPubWorld돋움체 Medium" panose="00000600000000000000" pitchFamily="2" charset="-127"/>
-                  <a:cs typeface="KoPubWorld돋움체 Medium" panose="00000600000000000000" pitchFamily="2" charset="-127"/>
-                </a:rPr>
-                <a:t>Depth</a:t>
-              </a:r>
-              <a:r>
-                <a:rPr lang="ko-KR" altLang="en-US" sz="1400" dirty="0">
-                  <a:solidFill>
-                    <a:srgbClr val="000000"/>
-                  </a:solidFill>
-                  <a:latin typeface="KoPubWorld돋움체 Medium" panose="00000600000000000000" pitchFamily="2" charset="-127"/>
-                  <a:ea typeface="KoPubWorld돋움체 Medium" panose="00000600000000000000" pitchFamily="2" charset="-127"/>
-                  <a:cs typeface="KoPubWorld돋움체 Medium" panose="00000600000000000000" pitchFamily="2" charset="-127"/>
-                </a:rPr>
-                <a:t> </a:t>
-              </a:r>
-              <a:r>
-                <a:rPr lang="en-US" altLang="ko-KR" sz="1400" dirty="0">
-                  <a:solidFill>
-                    <a:srgbClr val="000000"/>
-                  </a:solidFill>
-                  <a:latin typeface="KoPubWorld돋움체 Medium" panose="00000600000000000000" pitchFamily="2" charset="-127"/>
-                  <a:ea typeface="KoPubWorld돋움체 Medium" panose="00000600000000000000" pitchFamily="2" charset="-127"/>
-                  <a:cs typeface="KoPubWorld돋움체 Medium" panose="00000600000000000000" pitchFamily="2" charset="-127"/>
-                </a:rPr>
-                <a:t>Camera</a:t>
-              </a:r>
-              <a:r>
-                <a:rPr lang="ko-KR" altLang="en-US" sz="1400" dirty="0">
-                  <a:solidFill>
-                    <a:srgbClr val="000000"/>
-                  </a:solidFill>
-                  <a:latin typeface="KoPubWorld돋움체 Medium" panose="00000600000000000000" pitchFamily="2" charset="-127"/>
-                  <a:ea typeface="KoPubWorld돋움체 Medium" panose="00000600000000000000" pitchFamily="2" charset="-127"/>
-                  <a:cs typeface="KoPubWorld돋움체 Medium" panose="00000600000000000000" pitchFamily="2" charset="-127"/>
-                </a:rPr>
-                <a:t>를 이용한 </a:t>
-              </a:r>
-              <a:endParaRPr lang="en-US" altLang="ko-KR" sz="1400" dirty="0">
-                <a:solidFill>
-                  <a:srgbClr val="000000"/>
-                </a:solidFill>
-                <a:latin typeface="KoPubWorld돋움체 Medium" panose="00000600000000000000" pitchFamily="2" charset="-127"/>
-                <a:ea typeface="KoPubWorld돋움체 Medium" panose="00000600000000000000" pitchFamily="2" charset="-127"/>
-                <a:cs typeface="KoPubWorld돋움체 Medium" panose="00000600000000000000" pitchFamily="2" charset="-127"/>
-              </a:endParaRPr>
-            </a:p>
-            <a:p>
-              <a:pPr algn="ctr" fontAlgn="t">
-                <a:lnSpc>
-                  <a:spcPct val="150000"/>
-                </a:lnSpc>
-              </a:pPr>
-              <a:r>
-                <a:rPr lang="ko-KR" altLang="en-US" sz="1400" dirty="0">
-                  <a:solidFill>
-                    <a:srgbClr val="000000"/>
-                  </a:solidFill>
-                  <a:latin typeface="KoPubWorld돋움체 Medium" panose="00000600000000000000" pitchFamily="2" charset="-127"/>
-                  <a:ea typeface="KoPubWorld돋움체 Medium" panose="00000600000000000000" pitchFamily="2" charset="-127"/>
-                  <a:cs typeface="KoPubWorld돋움체 Medium" panose="00000600000000000000" pitchFamily="2" charset="-127"/>
-                </a:rPr>
-                <a:t>골격 구조 인식 및 이미지 대조 방식으로 </a:t>
-              </a:r>
-              <a:endParaRPr lang="en-US" altLang="ko-KR" sz="1400" dirty="0">
-                <a:solidFill>
-                  <a:srgbClr val="000000"/>
-                </a:solidFill>
-                <a:latin typeface="KoPubWorld돋움체 Medium" panose="00000600000000000000" pitchFamily="2" charset="-127"/>
-                <a:ea typeface="KoPubWorld돋움체 Medium" panose="00000600000000000000" pitchFamily="2" charset="-127"/>
-                <a:cs typeface="KoPubWorld돋움체 Medium" panose="00000600000000000000" pitchFamily="2" charset="-127"/>
-              </a:endParaRPr>
-            </a:p>
-            <a:p>
-              <a:pPr algn="ctr" fontAlgn="t">
-                <a:lnSpc>
-                  <a:spcPct val="150000"/>
-                </a:lnSpc>
-              </a:pPr>
-              <a:r>
-                <a:rPr lang="ko-KR" altLang="en-US" sz="1400" dirty="0">
-                  <a:solidFill>
-                    <a:srgbClr val="000000"/>
-                  </a:solidFill>
-                  <a:latin typeface="KoPubWorld돋움체 Medium" panose="00000600000000000000" pitchFamily="2" charset="-127"/>
-                  <a:ea typeface="KoPubWorld돋움체 Medium" panose="00000600000000000000" pitchFamily="2" charset="-127"/>
-                  <a:cs typeface="KoPubWorld돋움체 Medium" panose="00000600000000000000" pitchFamily="2" charset="-127"/>
-                </a:rPr>
-                <a:t>동작 일치 여부 판단</a:t>
-              </a:r>
-              <a:endParaRPr lang="ko-KR" altLang="en-US" sz="1400" dirty="0">
-                <a:latin typeface="KoPubWorld돋움체 Medium" panose="00000600000000000000" pitchFamily="2" charset="-127"/>
-                <a:ea typeface="KoPubWorld돋움체 Medium" panose="00000600000000000000" pitchFamily="2" charset="-127"/>
-                <a:cs typeface="KoPubWorld돋움체 Medium" panose="00000600000000000000" pitchFamily="2" charset="-127"/>
-              </a:endParaRPr>
-            </a:p>
-          </p:txBody>
-        </p:sp>
-        <p:pic>
-          <p:nvPicPr>
-            <p:cNvPr id="2052" name="Picture 4">
-              <a:extLst>
-                <a:ext uri="{FF2B5EF4-FFF2-40B4-BE49-F238E27FC236}">
-                  <a16:creationId xmlns:a16="http://schemas.microsoft.com/office/drawing/2014/main" id="{16929F18-EB06-48C0-889B-1C5F804F8057}"/>
-                </a:ext>
-              </a:extLst>
-            </p:cNvPr>
-            <p:cNvPicPr>
-              <a:picLocks noChangeAspect="1" noChangeArrowheads="1"/>
-            </p:cNvPicPr>
-            <p:nvPr/>
-          </p:nvPicPr>
-          <p:blipFill rotWithShape="1">
-            <a:blip r:embed="rId2">
-              <a:extLst>
-                <a:ext uri="{28A0092B-C50C-407E-A947-70E740481C1C}">
-                  <a14:useLocalDpi xmlns:a14="http://schemas.microsoft.com/office/drawing/2010/main" val="0"/>
-                </a:ext>
-              </a:extLst>
-            </a:blip>
-            <a:srcRect l="7231" t="13107" r="24618" b="20976"/>
-            <a:stretch/>
-          </p:blipFill>
-          <p:spPr bwMode="auto">
-            <a:xfrm>
-              <a:off x="457201" y="2594448"/>
-              <a:ext cx="3412646" cy="2097655"/>
-            </a:xfrm>
-            <a:prstGeom prst="rect">
-              <a:avLst/>
-            </a:prstGeom>
-            <a:noFill/>
-            <a:extLst>
-              <a:ext uri="{909E8E84-426E-40DD-AFC4-6F175D3DCCD1}">
-                <a14:hiddenFill xmlns:a14="http://schemas.microsoft.com/office/drawing/2010/main">
-                  <a:solidFill>
-                    <a:srgbClr val="FFFFFF"/>
-                  </a:solidFill>
-                </a14:hiddenFill>
-              </a:ext>
-            </a:extLst>
-          </p:spPr>
-        </p:pic>
-      </p:grpSp>
-      <p:grpSp>
-        <p:nvGrpSpPr>
-          <p:cNvPr id="32" name="그룹 31">
-            <a:extLst>
-              <a:ext uri="{FF2B5EF4-FFF2-40B4-BE49-F238E27FC236}">
-                <a16:creationId xmlns:a16="http://schemas.microsoft.com/office/drawing/2014/main" id="{501DC7E9-B38A-4F36-8682-B07817D7111C}"/>
-              </a:ext>
-            </a:extLst>
-          </p:cNvPr>
-          <p:cNvGrpSpPr/>
+              </a:rPr>
+              <a:t>유사 아이디어</a:t>
+            </a:r>
+          </a:p>
+        </p:txBody>
+      </p:sp>
+      <p:sp>
+        <p:nvSpPr>
+          <p:cNvPr id="42" name="직사각형 41">
+            <a:extLst>
+              <a:ext uri="{FF2B5EF4-FFF2-40B4-BE49-F238E27FC236}">
+                <a16:creationId xmlns:a16="http://schemas.microsoft.com/office/drawing/2014/main" id="{761029DA-6816-48DE-9D9D-365664DD372F}"/>
+              </a:ext>
+            </a:extLst>
+          </p:cNvPr>
+          <p:cNvSpPr/>
           <p:nvPr/>
-        </p:nvGrpSpPr>
-        <p:grpSpPr>
+        </p:nvSpPr>
+        <p:spPr>
           <a:xfrm>
-            <a:off x="4384419" y="1599561"/>
-            <a:ext cx="3428911" cy="4509959"/>
-            <a:chOff x="4382363" y="1599561"/>
-            <a:chExt cx="3428911" cy="4509959"/>
+            <a:off x="308983" y="1451125"/>
+            <a:ext cx="3613303" cy="4738008"/>
           </a:xfrm>
-        </p:grpSpPr>
-        <p:sp>
-          <p:nvSpPr>
-            <p:cNvPr id="27" name="직사각형 26">
-              <a:extLst>
-                <a:ext uri="{FF2B5EF4-FFF2-40B4-BE49-F238E27FC236}">
-                  <a16:creationId xmlns:a16="http://schemas.microsoft.com/office/drawing/2014/main" id="{780B3033-5FA8-4392-A8CA-BA9C144B6AF5}"/>
-                </a:ext>
-              </a:extLst>
-            </p:cNvPr>
-            <p:cNvSpPr/>
-            <p:nvPr/>
-          </p:nvSpPr>
-          <p:spPr>
-            <a:xfrm>
-              <a:off x="4382363" y="5047691"/>
-              <a:ext cx="3428911" cy="1061829"/>
-            </a:xfrm>
-            <a:prstGeom prst="rect">
-              <a:avLst/>
-            </a:prstGeom>
+          <a:prstGeom prst="rect">
+            <a:avLst/>
+          </a:prstGeom>
+          <a:noFill/>
+          <a:ln>
             <a:solidFill>
-              <a:schemeClr val="accent5">
-                <a:lumMod val="20000"/>
-                <a:lumOff val="80000"/>
-              </a:schemeClr>
+              <a:srgbClr val="014099"/>
             </a:solidFill>
-            <a:ln>
-              <a:noFill/>
-            </a:ln>
-          </p:spPr>
-          <p:style>
-            <a:lnRef idx="2">
-              <a:schemeClr val="accent1">
-                <a:shade val="50000"/>
-              </a:schemeClr>
-            </a:lnRef>
-            <a:fillRef idx="1">
-              <a:schemeClr val="accent1"/>
-            </a:fillRef>
-            <a:effectRef idx="0">
-              <a:schemeClr val="accent1"/>
-            </a:effectRef>
-            <a:fontRef idx="minor">
-              <a:schemeClr val="lt1"/>
-            </a:fontRef>
-          </p:style>
-          <p:txBody>
-            <a:bodyPr rtlCol="0" anchor="ctr"/>
-            <a:lstStyle/>
-            <a:p>
-              <a:pPr algn="ctr"/>
-              <a:endParaRPr lang="ko-KR" altLang="en-US" sz="1600" dirty="0">
-                <a:latin typeface="KoPubWorld돋움체 Medium" panose="00000600000000000000" pitchFamily="2" charset="-127"/>
-                <a:ea typeface="KoPubWorld돋움체 Medium" panose="00000600000000000000" pitchFamily="2" charset="-127"/>
-                <a:cs typeface="KoPubWorld돋움체 Medium" panose="00000600000000000000" pitchFamily="2" charset="-127"/>
-              </a:endParaRPr>
-            </a:p>
-          </p:txBody>
-        </p:sp>
-        <p:pic>
-          <p:nvPicPr>
-            <p:cNvPr id="4" name="그림 3">
-              <a:extLst>
-                <a:ext uri="{FF2B5EF4-FFF2-40B4-BE49-F238E27FC236}">
-                  <a16:creationId xmlns:a16="http://schemas.microsoft.com/office/drawing/2014/main" id="{45DFF575-A590-481D-8D51-ED29AFCDC7BC}"/>
-                </a:ext>
-              </a:extLst>
-            </p:cNvPr>
-            <p:cNvPicPr>
-              <a:picLocks noChangeAspect="1"/>
-            </p:cNvPicPr>
-            <p:nvPr/>
-          </p:nvPicPr>
-          <p:blipFill rotWithShape="1">
-            <a:blip r:embed="rId3"/>
-            <a:srcRect l="17682" t="26166" r="18234" b="16543"/>
-            <a:stretch/>
-          </p:blipFill>
-          <p:spPr>
-            <a:xfrm>
-              <a:off x="4633443" y="2448145"/>
-              <a:ext cx="2962567" cy="2441060"/>
-            </a:xfrm>
-            <a:prstGeom prst="rect">
-              <a:avLst/>
-            </a:prstGeom>
-          </p:spPr>
-        </p:pic>
-        <p:sp>
-          <p:nvSpPr>
-            <p:cNvPr id="11" name="직사각형 10">
-              <a:extLst>
-                <a:ext uri="{FF2B5EF4-FFF2-40B4-BE49-F238E27FC236}">
-                  <a16:creationId xmlns:a16="http://schemas.microsoft.com/office/drawing/2014/main" id="{FF4B8B9B-4C70-4BAA-AA4D-3D29C3C09D0E}"/>
-                </a:ext>
-              </a:extLst>
-            </p:cNvPr>
-            <p:cNvSpPr/>
-            <p:nvPr/>
-          </p:nvSpPr>
-          <p:spPr>
-            <a:xfrm>
-              <a:off x="4699925" y="1599561"/>
-              <a:ext cx="2797240" cy="400110"/>
-            </a:xfrm>
-            <a:prstGeom prst="rect">
-              <a:avLst/>
-            </a:prstGeom>
-          </p:spPr>
-          <p:txBody>
-            <a:bodyPr wrap="none">
-              <a:spAutoFit/>
-            </a:bodyPr>
-            <a:lstStyle/>
-            <a:p>
-              <a:pPr algn="ctr" fontAlgn="t"/>
-              <a:r>
-                <a:rPr lang="ko-KR" altLang="en-US" sz="2000" dirty="0" err="1">
-                  <a:solidFill>
-                    <a:schemeClr val="bg1"/>
-                  </a:solidFill>
-                  <a:latin typeface="KoPubWorld돋움체 Bold" panose="00000800000000000000" pitchFamily="2" charset="-127"/>
-                  <a:ea typeface="KoPubWorld돋움체 Bold" panose="00000800000000000000" pitchFamily="2" charset="-127"/>
-                  <a:cs typeface="KoPubWorld돋움체 Bold" panose="00000800000000000000" pitchFamily="2" charset="-127"/>
-                </a:rPr>
-                <a:t>스마트홈트</a:t>
-              </a:r>
-              <a:r>
-                <a:rPr lang="ko-KR" altLang="en-US" sz="2000" dirty="0">
-                  <a:solidFill>
-                    <a:schemeClr val="bg1"/>
-                  </a:solidFill>
-                  <a:latin typeface="KoPubWorld돋움체 Bold" panose="00000800000000000000" pitchFamily="2" charset="-127"/>
-                  <a:ea typeface="KoPubWorld돋움체 Bold" panose="00000800000000000000" pitchFamily="2" charset="-127"/>
-                  <a:cs typeface="KoPubWorld돋움체 Bold" panose="00000800000000000000" pitchFamily="2" charset="-127"/>
-                </a:rPr>
-                <a:t> </a:t>
-              </a:r>
-              <a:r>
-                <a:rPr lang="en-US" altLang="ko-KR" sz="2000" dirty="0">
-                  <a:solidFill>
-                    <a:schemeClr val="bg1"/>
-                  </a:solidFill>
-                  <a:latin typeface="KoPubWorld돋움체 Bold" panose="00000800000000000000" pitchFamily="2" charset="-127"/>
-                  <a:ea typeface="KoPubWorld돋움체 Bold" panose="00000800000000000000" pitchFamily="2" charset="-127"/>
-                  <a:cs typeface="KoPubWorld돋움체 Bold" panose="00000800000000000000" pitchFamily="2" charset="-127"/>
-                </a:rPr>
-                <a:t>by </a:t>
-              </a:r>
-              <a:r>
-                <a:rPr lang="en-US" altLang="ko-KR" sz="2000" dirty="0" err="1">
-                  <a:solidFill>
-                    <a:schemeClr val="bg1"/>
-                  </a:solidFill>
-                  <a:latin typeface="KoPubWorld돋움체 Bold" panose="00000800000000000000" pitchFamily="2" charset="-127"/>
-                  <a:ea typeface="KoPubWorld돋움체 Bold" panose="00000800000000000000" pitchFamily="2" charset="-127"/>
-                  <a:cs typeface="KoPubWorld돋움체 Bold" panose="00000800000000000000" pitchFamily="2" charset="-127"/>
-                </a:rPr>
-                <a:t>Kakao</a:t>
-              </a:r>
-              <a:r>
-                <a:rPr lang="en-US" altLang="ko-KR" sz="2000" dirty="0">
-                  <a:solidFill>
-                    <a:schemeClr val="bg1"/>
-                  </a:solidFill>
-                  <a:latin typeface="KoPubWorld돋움체 Bold" panose="00000800000000000000" pitchFamily="2" charset="-127"/>
-                  <a:ea typeface="KoPubWorld돋움체 Bold" panose="00000800000000000000" pitchFamily="2" charset="-127"/>
-                  <a:cs typeface="KoPubWorld돋움체 Bold" panose="00000800000000000000" pitchFamily="2" charset="-127"/>
-                </a:rPr>
-                <a:t> VX</a:t>
-              </a:r>
-              <a:endParaRPr lang="ko-KR" altLang="en-US" sz="2000" dirty="0">
-                <a:solidFill>
-                  <a:schemeClr val="bg1"/>
-                </a:solidFill>
-                <a:latin typeface="KoPubWorld돋움체 Bold" panose="00000800000000000000" pitchFamily="2" charset="-127"/>
-                <a:ea typeface="KoPubWorld돋움체 Bold" panose="00000800000000000000" pitchFamily="2" charset="-127"/>
-                <a:cs typeface="KoPubWorld돋움체 Bold" panose="00000800000000000000" pitchFamily="2" charset="-127"/>
-              </a:endParaRPr>
-            </a:p>
-          </p:txBody>
-        </p:sp>
-        <p:sp>
-          <p:nvSpPr>
-            <p:cNvPr id="14" name="직사각형 13">
-              <a:extLst>
-                <a:ext uri="{FF2B5EF4-FFF2-40B4-BE49-F238E27FC236}">
-                  <a16:creationId xmlns:a16="http://schemas.microsoft.com/office/drawing/2014/main" id="{26997BB4-11AF-4BCC-AA08-CC3F994BBEB4}"/>
-                </a:ext>
-              </a:extLst>
-            </p:cNvPr>
-            <p:cNvSpPr/>
-            <p:nvPr/>
-          </p:nvSpPr>
-          <p:spPr>
-            <a:xfrm>
-              <a:off x="5031463" y="2000467"/>
-              <a:ext cx="2130711" cy="307777"/>
-            </a:xfrm>
-            <a:prstGeom prst="rect">
-              <a:avLst/>
-            </a:prstGeom>
-          </p:spPr>
-          <p:txBody>
-            <a:bodyPr wrap="none">
-              <a:spAutoFit/>
-            </a:bodyPr>
-            <a:lstStyle/>
-            <a:p>
-              <a:r>
-                <a:rPr lang="en-US" altLang="ko-KR" sz="1400" dirty="0">
-                  <a:solidFill>
-                    <a:schemeClr val="bg1"/>
-                  </a:solidFill>
-                  <a:latin typeface="KoPubWorld돋움체 Medium" panose="00000600000000000000" pitchFamily="2" charset="-127"/>
-                  <a:ea typeface="KoPubWorld돋움체 Medium" panose="00000600000000000000" pitchFamily="2" charset="-127"/>
-                  <a:cs typeface="KoPubWorld돋움체 Medium" panose="00000600000000000000" pitchFamily="2" charset="-127"/>
-                </a:rPr>
-                <a:t>AI</a:t>
-              </a:r>
-              <a:r>
-                <a:rPr lang="ko-KR" altLang="en-US" sz="1400" dirty="0">
-                  <a:solidFill>
-                    <a:schemeClr val="bg1"/>
-                  </a:solidFill>
-                  <a:latin typeface="KoPubWorld돋움체 Medium" panose="00000600000000000000" pitchFamily="2" charset="-127"/>
-                  <a:ea typeface="KoPubWorld돋움체 Medium" panose="00000600000000000000" pitchFamily="2" charset="-127"/>
-                  <a:cs typeface="KoPubWorld돋움체 Medium" panose="00000600000000000000" pitchFamily="2" charset="-127"/>
-                </a:rPr>
-                <a:t> 코칭 </a:t>
-              </a:r>
-              <a:r>
-                <a:rPr lang="ko-KR" altLang="en-US" sz="1400" dirty="0" err="1">
-                  <a:solidFill>
-                    <a:schemeClr val="bg1"/>
-                  </a:solidFill>
-                  <a:latin typeface="KoPubWorld돋움체 Medium" panose="00000600000000000000" pitchFamily="2" charset="-127"/>
-                  <a:ea typeface="KoPubWorld돋움체 Medium" panose="00000600000000000000" pitchFamily="2" charset="-127"/>
-                  <a:cs typeface="KoPubWorld돋움체 Medium" panose="00000600000000000000" pitchFamily="2" charset="-127"/>
-                </a:rPr>
-                <a:t>홈트레이닝</a:t>
-              </a:r>
-              <a:r>
-                <a:rPr lang="ko-KR" altLang="en-US" sz="1400" dirty="0">
-                  <a:solidFill>
-                    <a:schemeClr val="bg1"/>
-                  </a:solidFill>
-                  <a:latin typeface="KoPubWorld돋움체 Medium" panose="00000600000000000000" pitchFamily="2" charset="-127"/>
-                  <a:ea typeface="KoPubWorld돋움체 Medium" panose="00000600000000000000" pitchFamily="2" charset="-127"/>
-                  <a:cs typeface="KoPubWorld돋움체 Medium" panose="00000600000000000000" pitchFamily="2" charset="-127"/>
-                </a:rPr>
-                <a:t> 전문 앱</a:t>
-              </a:r>
-              <a:endParaRPr lang="ko-KR" altLang="en-US" sz="1400" dirty="0">
-                <a:solidFill>
-                  <a:schemeClr val="bg1"/>
-                </a:solidFill>
-              </a:endParaRPr>
-            </a:p>
-          </p:txBody>
-        </p:sp>
-        <p:sp>
-          <p:nvSpPr>
-            <p:cNvPr id="17" name="직사각형 16">
-              <a:extLst>
-                <a:ext uri="{FF2B5EF4-FFF2-40B4-BE49-F238E27FC236}">
-                  <a16:creationId xmlns:a16="http://schemas.microsoft.com/office/drawing/2014/main" id="{8E2CD1F5-E7BE-47DA-B5F0-10841435C58B}"/>
-                </a:ext>
-              </a:extLst>
-            </p:cNvPr>
-            <p:cNvSpPr/>
-            <p:nvPr/>
-          </p:nvSpPr>
-          <p:spPr>
-            <a:xfrm>
-              <a:off x="4528377" y="4987436"/>
-              <a:ext cx="3131134" cy="1061829"/>
-            </a:xfrm>
-            <a:prstGeom prst="rect">
-              <a:avLst/>
-            </a:prstGeom>
-          </p:spPr>
-          <p:txBody>
-            <a:bodyPr wrap="square">
-              <a:spAutoFit/>
-            </a:bodyPr>
-            <a:lstStyle/>
-            <a:p>
-              <a:pPr algn="ctr" fontAlgn="t">
-                <a:lnSpc>
-                  <a:spcPct val="150000"/>
-                </a:lnSpc>
-              </a:pPr>
-              <a:r>
-                <a:rPr lang="ko-KR" altLang="en-US" sz="1400" dirty="0">
-                  <a:solidFill>
-                    <a:srgbClr val="000000"/>
-                  </a:solidFill>
-                  <a:latin typeface="KoPubWorld돋움체 Medium" panose="00000600000000000000" pitchFamily="2" charset="-127"/>
-                  <a:ea typeface="KoPubWorld돋움체 Medium" panose="00000600000000000000" pitchFamily="2" charset="-127"/>
-                  <a:cs typeface="KoPubWorld돋움체 Medium" panose="00000600000000000000" pitchFamily="2" charset="-127"/>
-                </a:rPr>
-                <a:t>딥러닝 기반 </a:t>
-              </a:r>
-              <a:r>
-                <a:rPr lang="en-US" altLang="ko-KR" sz="1400" dirty="0">
-                  <a:solidFill>
-                    <a:srgbClr val="000000"/>
-                  </a:solidFill>
-                  <a:latin typeface="KoPubWorld돋움체 Medium" panose="00000600000000000000" pitchFamily="2" charset="-127"/>
-                  <a:ea typeface="KoPubWorld돋움체 Medium" panose="00000600000000000000" pitchFamily="2" charset="-127"/>
-                  <a:cs typeface="KoPubWorld돋움체 Medium" panose="00000600000000000000" pitchFamily="2" charset="-127"/>
-                </a:rPr>
-                <a:t>AI</a:t>
-              </a:r>
-              <a:r>
-                <a:rPr lang="ko-KR" altLang="en-US" sz="1400" dirty="0">
-                  <a:solidFill>
-                    <a:srgbClr val="000000"/>
-                  </a:solidFill>
-                  <a:latin typeface="KoPubWorld돋움체 Medium" panose="00000600000000000000" pitchFamily="2" charset="-127"/>
-                  <a:ea typeface="KoPubWorld돋움체 Medium" panose="00000600000000000000" pitchFamily="2" charset="-127"/>
-                  <a:cs typeface="KoPubWorld돋움체 Medium" panose="00000600000000000000" pitchFamily="2" charset="-127"/>
-                </a:rPr>
-                <a:t> 기술을 활용하여</a:t>
-              </a:r>
-              <a:endParaRPr lang="en-US" altLang="ko-KR" sz="1400" dirty="0">
-                <a:solidFill>
-                  <a:srgbClr val="000000"/>
-                </a:solidFill>
-                <a:latin typeface="KoPubWorld돋움체 Medium" panose="00000600000000000000" pitchFamily="2" charset="-127"/>
-                <a:ea typeface="KoPubWorld돋움체 Medium" panose="00000600000000000000" pitchFamily="2" charset="-127"/>
-                <a:cs typeface="KoPubWorld돋움체 Medium" panose="00000600000000000000" pitchFamily="2" charset="-127"/>
-              </a:endParaRPr>
-            </a:p>
-            <a:p>
-              <a:pPr algn="ctr" fontAlgn="t">
-                <a:lnSpc>
-                  <a:spcPct val="150000"/>
-                </a:lnSpc>
-              </a:pPr>
-              <a:r>
-                <a:rPr lang="ko-KR" altLang="en-US" sz="1400" dirty="0">
-                  <a:solidFill>
-                    <a:srgbClr val="000000"/>
-                  </a:solidFill>
-                  <a:latin typeface="KoPubWorld돋움체 Medium" panose="00000600000000000000" pitchFamily="2" charset="-127"/>
-                  <a:ea typeface="KoPubWorld돋움체 Medium" panose="00000600000000000000" pitchFamily="2" charset="-127"/>
-                  <a:cs typeface="KoPubWorld돋움체 Medium" panose="00000600000000000000" pitchFamily="2" charset="-127"/>
-                </a:rPr>
-                <a:t>이용자의 실시간 관절 움직임을 추출하고 분석 후 올바른 운동 자세 추천</a:t>
-              </a:r>
-              <a:endParaRPr lang="ko-KR" altLang="en-US" sz="1400" dirty="0">
-                <a:latin typeface="KoPubWorld돋움체 Medium" panose="00000600000000000000" pitchFamily="2" charset="-127"/>
-                <a:ea typeface="KoPubWorld돋움체 Medium" panose="00000600000000000000" pitchFamily="2" charset="-127"/>
-                <a:cs typeface="KoPubWorld돋움체 Medium" panose="00000600000000000000" pitchFamily="2" charset="-127"/>
-              </a:endParaRPr>
-            </a:p>
-          </p:txBody>
-        </p:sp>
-      </p:grpSp>
-      <p:grpSp>
-        <p:nvGrpSpPr>
-          <p:cNvPr id="31" name="그룹 30">
-            <a:extLst>
-              <a:ext uri="{FF2B5EF4-FFF2-40B4-BE49-F238E27FC236}">
-                <a16:creationId xmlns:a16="http://schemas.microsoft.com/office/drawing/2014/main" id="{6E3B4DA2-746F-4ADF-8E50-873E19E3EE5C}"/>
-              </a:ext>
-            </a:extLst>
-          </p:cNvPr>
-          <p:cNvGrpSpPr/>
+          </a:ln>
+        </p:spPr>
+        <p:style>
+          <a:lnRef idx="2">
+            <a:schemeClr val="accent1">
+              <a:shade val="50000"/>
+            </a:schemeClr>
+          </a:lnRef>
+          <a:fillRef idx="1">
+            <a:schemeClr val="accent1"/>
+          </a:fillRef>
+          <a:effectRef idx="0">
+            <a:schemeClr val="accent1"/>
+          </a:effectRef>
+          <a:fontRef idx="minor">
+            <a:schemeClr val="lt1"/>
+          </a:fontRef>
+        </p:style>
+        <p:txBody>
+          <a:bodyPr rtlCol="0" anchor="ctr"/>
+          <a:lstStyle/>
+          <a:p>
+            <a:pPr algn="ctr"/>
+            <a:endParaRPr lang="ko-KR" altLang="en-US"/>
+          </a:p>
+        </p:txBody>
+      </p:sp>
+      <p:sp>
+        <p:nvSpPr>
+          <p:cNvPr id="43" name="직사각형 42">
+            <a:extLst>
+              <a:ext uri="{FF2B5EF4-FFF2-40B4-BE49-F238E27FC236}">
+                <a16:creationId xmlns:a16="http://schemas.microsoft.com/office/drawing/2014/main" id="{FF10533A-DC27-49F7-8056-295E23F7DDF6}"/>
+              </a:ext>
+            </a:extLst>
+          </p:cNvPr>
+          <p:cNvSpPr/>
           <p:nvPr/>
-        </p:nvGrpSpPr>
-        <p:grpSpPr>
+        </p:nvSpPr>
+        <p:spPr>
           <a:xfrm>
-            <a:off x="8352559" y="1608981"/>
-            <a:ext cx="3422456" cy="4516485"/>
-            <a:chOff x="8403359" y="1608981"/>
-            <a:chExt cx="3422456" cy="4516485"/>
+            <a:off x="4292699" y="1451125"/>
+            <a:ext cx="3613303" cy="4738008"/>
           </a:xfrm>
-        </p:grpSpPr>
-        <p:sp>
-          <p:nvSpPr>
-            <p:cNvPr id="28" name="직사각형 27">
-              <a:extLst>
-                <a:ext uri="{FF2B5EF4-FFF2-40B4-BE49-F238E27FC236}">
-                  <a16:creationId xmlns:a16="http://schemas.microsoft.com/office/drawing/2014/main" id="{810ADC17-7510-4A12-8223-BA894A510439}"/>
-                </a:ext>
-              </a:extLst>
-            </p:cNvPr>
-            <p:cNvSpPr/>
-            <p:nvPr/>
-          </p:nvSpPr>
-          <p:spPr>
-            <a:xfrm>
-              <a:off x="8403359" y="5063637"/>
-              <a:ext cx="3422456" cy="1061829"/>
-            </a:xfrm>
-            <a:prstGeom prst="rect">
-              <a:avLst/>
-            </a:prstGeom>
+          <a:prstGeom prst="rect">
+            <a:avLst/>
+          </a:prstGeom>
+          <a:noFill/>
+          <a:ln>
             <a:solidFill>
-              <a:schemeClr val="accent5">
-                <a:lumMod val="20000"/>
-                <a:lumOff val="80000"/>
-              </a:schemeClr>
+              <a:srgbClr val="014099"/>
             </a:solidFill>
-            <a:ln>
-              <a:noFill/>
-            </a:ln>
-          </p:spPr>
-          <p:style>
-            <a:lnRef idx="2">
-              <a:schemeClr val="accent1">
-                <a:shade val="50000"/>
-              </a:schemeClr>
-            </a:lnRef>
-            <a:fillRef idx="1">
-              <a:schemeClr val="accent1"/>
-            </a:fillRef>
-            <a:effectRef idx="0">
-              <a:schemeClr val="accent1"/>
-            </a:effectRef>
-            <a:fontRef idx="minor">
-              <a:schemeClr val="lt1"/>
-            </a:fontRef>
-          </p:style>
-          <p:txBody>
-            <a:bodyPr rtlCol="0" anchor="ctr"/>
-            <a:lstStyle/>
-            <a:p>
-              <a:pPr algn="ctr"/>
-              <a:endParaRPr lang="ko-KR" altLang="en-US" sz="1600" dirty="0">
-                <a:latin typeface="KoPubWorld돋움체 Medium" panose="00000600000000000000" pitchFamily="2" charset="-127"/>
-                <a:ea typeface="KoPubWorld돋움체 Medium" panose="00000600000000000000" pitchFamily="2" charset="-127"/>
-                <a:cs typeface="KoPubWorld돋움체 Medium" panose="00000600000000000000" pitchFamily="2" charset="-127"/>
-              </a:endParaRPr>
-            </a:p>
-          </p:txBody>
-        </p:sp>
-        <p:sp>
-          <p:nvSpPr>
-            <p:cNvPr id="12" name="직사각형 11">
-              <a:extLst>
-                <a:ext uri="{FF2B5EF4-FFF2-40B4-BE49-F238E27FC236}">
-                  <a16:creationId xmlns:a16="http://schemas.microsoft.com/office/drawing/2014/main" id="{3829DDA6-C422-45DA-8C16-6FF642A3A617}"/>
-                </a:ext>
-              </a:extLst>
-            </p:cNvPr>
-            <p:cNvSpPr/>
-            <p:nvPr/>
-          </p:nvSpPr>
-          <p:spPr>
-            <a:xfrm>
-              <a:off x="9728903" y="1608981"/>
-              <a:ext cx="771365" cy="400110"/>
-            </a:xfrm>
-            <a:prstGeom prst="rect">
-              <a:avLst/>
-            </a:prstGeom>
-          </p:spPr>
-          <p:txBody>
-            <a:bodyPr wrap="none">
-              <a:spAutoFit/>
-            </a:bodyPr>
-            <a:lstStyle/>
-            <a:p>
-              <a:pPr algn="ctr" fontAlgn="t"/>
-              <a:r>
-                <a:rPr lang="en-US" altLang="ko-KR" sz="2000" dirty="0">
-                  <a:solidFill>
-                    <a:schemeClr val="bg1"/>
-                  </a:solidFill>
-                  <a:latin typeface="KoPubWorld돋움체 Bold" panose="00000800000000000000" pitchFamily="2" charset="-127"/>
-                  <a:ea typeface="KoPubWorld돋움체 Bold" panose="00000800000000000000" pitchFamily="2" charset="-127"/>
-                  <a:cs typeface="KoPubWorld돋움체 Bold" panose="00000800000000000000" pitchFamily="2" charset="-127"/>
-                </a:rPr>
-                <a:t>12PT</a:t>
-              </a:r>
-              <a:endParaRPr lang="ko-KR" altLang="en-US" sz="2000" dirty="0">
-                <a:solidFill>
-                  <a:schemeClr val="bg1"/>
-                </a:solidFill>
-                <a:latin typeface="KoPubWorld돋움체 Bold" panose="00000800000000000000" pitchFamily="2" charset="-127"/>
-                <a:ea typeface="KoPubWorld돋움체 Bold" panose="00000800000000000000" pitchFamily="2" charset="-127"/>
-                <a:cs typeface="KoPubWorld돋움체 Bold" panose="00000800000000000000" pitchFamily="2" charset="-127"/>
-              </a:endParaRPr>
-            </a:p>
-          </p:txBody>
-        </p:sp>
-        <p:sp>
-          <p:nvSpPr>
-            <p:cNvPr id="15" name="직사각형 14">
-              <a:extLst>
-                <a:ext uri="{FF2B5EF4-FFF2-40B4-BE49-F238E27FC236}">
-                  <a16:creationId xmlns:a16="http://schemas.microsoft.com/office/drawing/2014/main" id="{48143F88-E4C5-4250-9F7D-E7CA8342E485}"/>
-                </a:ext>
-              </a:extLst>
-            </p:cNvPr>
-            <p:cNvSpPr/>
-            <p:nvPr/>
-          </p:nvSpPr>
-          <p:spPr>
-            <a:xfrm>
-              <a:off x="8735043" y="2000467"/>
-              <a:ext cx="2759089" cy="307777"/>
-            </a:xfrm>
-            <a:prstGeom prst="rect">
-              <a:avLst/>
-            </a:prstGeom>
-          </p:spPr>
-          <p:txBody>
-            <a:bodyPr wrap="none">
-              <a:spAutoFit/>
-            </a:bodyPr>
-            <a:lstStyle/>
-            <a:p>
-              <a:pPr fontAlgn="t"/>
-              <a:r>
-                <a:rPr lang="ko-KR" altLang="en-US" sz="1400" dirty="0">
-                  <a:solidFill>
-                    <a:schemeClr val="bg1"/>
-                  </a:solidFill>
-                  <a:latin typeface="KoPubWorld돋움체 Medium" panose="00000600000000000000" pitchFamily="2" charset="-127"/>
-                  <a:ea typeface="KoPubWorld돋움체 Medium" panose="00000600000000000000" pitchFamily="2" charset="-127"/>
-                  <a:cs typeface="KoPubWorld돋움체 Medium" panose="00000600000000000000" pitchFamily="2" charset="-127"/>
-                </a:rPr>
-                <a:t>자세교정이 가능한 </a:t>
-              </a:r>
-              <a:r>
-                <a:rPr lang="en-US" altLang="ko-KR" sz="1400" dirty="0">
-                  <a:solidFill>
-                    <a:schemeClr val="bg1"/>
-                  </a:solidFill>
-                  <a:latin typeface="KoPubWorld돋움체 Medium" panose="00000600000000000000" pitchFamily="2" charset="-127"/>
-                  <a:ea typeface="KoPubWorld돋움체 Medium" panose="00000600000000000000" pitchFamily="2" charset="-127"/>
-                  <a:cs typeface="KoPubWorld돋움체 Medium" panose="00000600000000000000" pitchFamily="2" charset="-127"/>
-                </a:rPr>
-                <a:t>AI</a:t>
-              </a:r>
-              <a:r>
-                <a:rPr lang="ko-KR" altLang="en-US" sz="1400" dirty="0">
-                  <a:solidFill>
-                    <a:schemeClr val="bg1"/>
-                  </a:solidFill>
-                  <a:latin typeface="KoPubWorld돋움체 Medium" panose="00000600000000000000" pitchFamily="2" charset="-127"/>
-                  <a:ea typeface="KoPubWorld돋움체 Medium" panose="00000600000000000000" pitchFamily="2" charset="-127"/>
-                  <a:cs typeface="KoPubWorld돋움체 Medium" panose="00000600000000000000" pitchFamily="2" charset="-127"/>
-                </a:rPr>
-                <a:t> </a:t>
-              </a:r>
-              <a:r>
-                <a:rPr lang="ko-KR" altLang="en-US" sz="1400" dirty="0" err="1">
-                  <a:solidFill>
-                    <a:schemeClr val="bg1"/>
-                  </a:solidFill>
-                  <a:latin typeface="KoPubWorld돋움체 Medium" panose="00000600000000000000" pitchFamily="2" charset="-127"/>
-                  <a:ea typeface="KoPubWorld돋움체 Medium" panose="00000600000000000000" pitchFamily="2" charset="-127"/>
-                  <a:cs typeface="KoPubWorld돋움체 Medium" panose="00000600000000000000" pitchFamily="2" charset="-127"/>
-                </a:rPr>
-                <a:t>홈트레이닝</a:t>
-              </a:r>
-              <a:r>
-                <a:rPr lang="ko-KR" altLang="en-US" sz="1400" dirty="0">
-                  <a:solidFill>
-                    <a:schemeClr val="bg1"/>
-                  </a:solidFill>
-                  <a:latin typeface="KoPubWorld돋움체 Medium" panose="00000600000000000000" pitchFamily="2" charset="-127"/>
-                  <a:ea typeface="KoPubWorld돋움체 Medium" panose="00000600000000000000" pitchFamily="2" charset="-127"/>
-                  <a:cs typeface="KoPubWorld돋움체 Medium" panose="00000600000000000000" pitchFamily="2" charset="-127"/>
-                </a:rPr>
-                <a:t> 앱</a:t>
-              </a:r>
-            </a:p>
-          </p:txBody>
-        </p:sp>
-        <p:sp>
-          <p:nvSpPr>
-            <p:cNvPr id="18" name="직사각형 17">
-              <a:extLst>
-                <a:ext uri="{FF2B5EF4-FFF2-40B4-BE49-F238E27FC236}">
-                  <a16:creationId xmlns:a16="http://schemas.microsoft.com/office/drawing/2014/main" id="{B223EBD3-EF5F-4B3B-95E7-95168EB9DD96}"/>
-                </a:ext>
-              </a:extLst>
-            </p:cNvPr>
-            <p:cNvSpPr/>
-            <p:nvPr/>
-          </p:nvSpPr>
-          <p:spPr>
-            <a:xfrm>
-              <a:off x="8403359" y="4987437"/>
-              <a:ext cx="3422456" cy="1061829"/>
-            </a:xfrm>
-            <a:prstGeom prst="rect">
-              <a:avLst/>
-            </a:prstGeom>
-          </p:spPr>
-          <p:txBody>
-            <a:bodyPr wrap="square">
-              <a:spAutoFit/>
-            </a:bodyPr>
-            <a:lstStyle/>
-            <a:p>
-              <a:pPr algn="ctr" fontAlgn="t">
-                <a:lnSpc>
-                  <a:spcPct val="150000"/>
-                </a:lnSpc>
-              </a:pPr>
-              <a:r>
-                <a:rPr lang="ko-KR" altLang="en-US" sz="1400" dirty="0">
-                  <a:latin typeface="KoPubWorld돋움체 Medium" panose="00000600000000000000" pitchFamily="2" charset="-127"/>
-                  <a:ea typeface="KoPubWorld돋움체 Medium" panose="00000600000000000000" pitchFamily="2" charset="-127"/>
-                  <a:cs typeface="KoPubWorld돋움체 Medium" panose="00000600000000000000" pitchFamily="2" charset="-127"/>
-                </a:rPr>
-                <a:t>딥러닝 기술을 활용하여 </a:t>
-              </a:r>
-              <a:endParaRPr lang="en-US" altLang="ko-KR" sz="1400" dirty="0">
-                <a:latin typeface="KoPubWorld돋움체 Medium" panose="00000600000000000000" pitchFamily="2" charset="-127"/>
-                <a:ea typeface="KoPubWorld돋움체 Medium" panose="00000600000000000000" pitchFamily="2" charset="-127"/>
-                <a:cs typeface="KoPubWorld돋움체 Medium" panose="00000600000000000000" pitchFamily="2" charset="-127"/>
-              </a:endParaRPr>
-            </a:p>
-            <a:p>
-              <a:pPr algn="ctr" fontAlgn="t">
-                <a:lnSpc>
-                  <a:spcPct val="150000"/>
-                </a:lnSpc>
-              </a:pPr>
-              <a:r>
-                <a:rPr lang="ko-KR" altLang="en-US" sz="1400" dirty="0">
-                  <a:latin typeface="KoPubWorld돋움체 Medium" panose="00000600000000000000" pitchFamily="2" charset="-127"/>
-                  <a:ea typeface="KoPubWorld돋움체 Medium" panose="00000600000000000000" pitchFamily="2" charset="-127"/>
-                  <a:cs typeface="KoPubWorld돋움체 Medium" panose="00000600000000000000" pitchFamily="2" charset="-127"/>
-                </a:rPr>
-                <a:t>실시간 관절 추정 및 실시간 카운트</a:t>
-              </a:r>
-              <a:endParaRPr lang="en-US" altLang="ko-KR" sz="1400" dirty="0">
-                <a:latin typeface="KoPubWorld돋움체 Medium" panose="00000600000000000000" pitchFamily="2" charset="-127"/>
-                <a:ea typeface="KoPubWorld돋움체 Medium" panose="00000600000000000000" pitchFamily="2" charset="-127"/>
-                <a:cs typeface="KoPubWorld돋움체 Medium" panose="00000600000000000000" pitchFamily="2" charset="-127"/>
-              </a:endParaRPr>
-            </a:p>
-            <a:p>
-              <a:pPr algn="ctr" fontAlgn="t">
-                <a:lnSpc>
-                  <a:spcPct val="150000"/>
-                </a:lnSpc>
-              </a:pPr>
-              <a:r>
-                <a:rPr lang="ko-KR" altLang="en-US" sz="1400" dirty="0">
-                  <a:latin typeface="KoPubWorld돋움체 Medium" panose="00000600000000000000" pitchFamily="2" charset="-127"/>
-                  <a:ea typeface="KoPubWorld돋움체 Medium" panose="00000600000000000000" pitchFamily="2" charset="-127"/>
-                  <a:cs typeface="KoPubWorld돋움체 Medium" panose="00000600000000000000" pitchFamily="2" charset="-127"/>
-                </a:rPr>
-                <a:t>축적된 데이터로 개인의 운동 패턴 분석</a:t>
-              </a:r>
-            </a:p>
-          </p:txBody>
-        </p:sp>
-        <p:pic>
-          <p:nvPicPr>
-            <p:cNvPr id="19" name="그림 18">
-              <a:extLst>
-                <a:ext uri="{FF2B5EF4-FFF2-40B4-BE49-F238E27FC236}">
-                  <a16:creationId xmlns:a16="http://schemas.microsoft.com/office/drawing/2014/main" id="{7095896A-768F-466D-9ED9-F863082845CA}"/>
-                </a:ext>
-              </a:extLst>
-            </p:cNvPr>
-            <p:cNvPicPr>
-              <a:picLocks noChangeAspect="1"/>
-            </p:cNvPicPr>
-            <p:nvPr/>
-          </p:nvPicPr>
-          <p:blipFill>
-            <a:blip r:embed="rId4"/>
-            <a:stretch>
-              <a:fillRect/>
-            </a:stretch>
-          </p:blipFill>
-          <p:spPr>
-            <a:xfrm>
-              <a:off x="8429503" y="2473545"/>
-              <a:ext cx="3396312" cy="2441060"/>
-            </a:xfrm>
-            <a:prstGeom prst="rect">
-              <a:avLst/>
-            </a:prstGeom>
-          </p:spPr>
-        </p:pic>
-      </p:grpSp>
+          </a:ln>
+        </p:spPr>
+        <p:style>
+          <a:lnRef idx="2">
+            <a:schemeClr val="accent1">
+              <a:shade val="50000"/>
+            </a:schemeClr>
+          </a:lnRef>
+          <a:fillRef idx="1">
+            <a:schemeClr val="accent1"/>
+          </a:fillRef>
+          <a:effectRef idx="0">
+            <a:schemeClr val="accent1"/>
+          </a:effectRef>
+          <a:fontRef idx="minor">
+            <a:schemeClr val="lt1"/>
+          </a:fontRef>
+        </p:style>
+        <p:txBody>
+          <a:bodyPr rtlCol="0" anchor="ctr"/>
+          <a:lstStyle/>
+          <a:p>
+            <a:pPr algn="ctr"/>
+            <a:endParaRPr lang="ko-KR" altLang="en-US"/>
+          </a:p>
+        </p:txBody>
+      </p:sp>
+      <p:sp>
+        <p:nvSpPr>
+          <p:cNvPr id="44" name="직사각형 43">
+            <a:extLst>
+              <a:ext uri="{FF2B5EF4-FFF2-40B4-BE49-F238E27FC236}">
+                <a16:creationId xmlns:a16="http://schemas.microsoft.com/office/drawing/2014/main" id="{2C16E9C9-08B0-476C-BECA-D7640D844DC3}"/>
+              </a:ext>
+            </a:extLst>
+          </p:cNvPr>
+          <p:cNvSpPr/>
+          <p:nvPr/>
+        </p:nvSpPr>
+        <p:spPr>
+          <a:xfrm>
+            <a:off x="8298879" y="1451125"/>
+            <a:ext cx="3613303" cy="4738008"/>
+          </a:xfrm>
+          <a:prstGeom prst="rect">
+            <a:avLst/>
+          </a:prstGeom>
+          <a:noFill/>
+          <a:ln>
+            <a:solidFill>
+              <a:srgbClr val="014099"/>
+            </a:solidFill>
+          </a:ln>
+        </p:spPr>
+        <p:style>
+          <a:lnRef idx="2">
+            <a:schemeClr val="accent1">
+              <a:shade val="50000"/>
+            </a:schemeClr>
+          </a:lnRef>
+          <a:fillRef idx="1">
+            <a:schemeClr val="accent1"/>
+          </a:fillRef>
+          <a:effectRef idx="0">
+            <a:schemeClr val="accent1"/>
+          </a:effectRef>
+          <a:fontRef idx="minor">
+            <a:schemeClr val="lt1"/>
+          </a:fontRef>
+        </p:style>
+        <p:txBody>
+          <a:bodyPr rtlCol="0" anchor="ctr"/>
+          <a:lstStyle/>
+          <a:p>
+            <a:pPr algn="ctr"/>
+            <a:endParaRPr lang="ko-KR" altLang="en-US"/>
+          </a:p>
+        </p:txBody>
+      </p:sp>
     </p:spTree>
     <p:extLst>
       <p:ext uri="{BB962C8B-B14F-4D97-AF65-F5344CB8AC3E}">
-        <p14:creationId xmlns:p14="http://schemas.microsoft.com/office/powerpoint/2010/main" val="1238861992"/>
+        <p14:creationId xmlns:p14="http://schemas.microsoft.com/office/powerpoint/2010/main" val="1767632802"/>
       </p:ext>
     </p:extLst>
   </p:cSld>
